--- a/docs/figs/schematic_overview.pptx
+++ b/docs/figs/schematic_overview.pptx
@@ -2,7 +2,7 @@
 <file path=ppt/presentation.xml><?xml version="1.0" encoding="utf-8"?>
 <p:presentation xmlns:a="http://schemas.openxmlformats.org/drawingml/2006/main" xmlns:r="http://schemas.openxmlformats.org/officeDocument/2006/relationships" xmlns:p="http://schemas.openxmlformats.org/presentationml/2006/main" saveSubsetFonts="1">
   <p:sldMasterIdLst>
-    <p:sldMasterId id="2147483672" r:id="rId1"/>
+    <p:sldMasterId id="2147483720" r:id="rId1"/>
   </p:sldMasterIdLst>
   <p:notesMasterIdLst>
     <p:notesMasterId r:id="rId3"/>
@@ -10,7 +10,7 @@
   <p:sldIdLst>
     <p:sldId id="256" r:id="rId2"/>
   </p:sldIdLst>
-  <p:sldSz cx="8999538" cy="5778500"/>
+  <p:sldSz cx="6119813" cy="7920038"/>
   <p:notesSz cx="6858000" cy="9144000"/>
   <p:defaultTextStyle>
     <a:defPPr>
@@ -197,7 +197,7 @@
           <a:p>
             <a:fld id="{B292C735-45A6-4806-AAF5-FAEAE978D222}" type="datetimeFigureOut">
               <a:rPr lang="en-NL" smtClean="0"/>
-              <a:t>08/30/2020</a:t>
+              <a:t>09/04/2020</a:t>
             </a:fld>
             <a:endParaRPr lang="en-NL"/>
           </a:p>
@@ -215,8 +215,8 @@
         </p:nvSpPr>
         <p:spPr>
           <a:xfrm>
-            <a:off x="1025525" y="1143000"/>
-            <a:ext cx="4806950" cy="3086100"/>
+            <a:off x="2236788" y="1143000"/>
+            <a:ext cx="2384425" cy="3086100"/>
           </a:xfrm>
           <a:prstGeom prst="rect">
             <a:avLst/>
@@ -494,8 +494,8 @@
         </p:nvSpPr>
         <p:spPr>
           <a:xfrm>
-            <a:off x="1025525" y="1143000"/>
-            <a:ext cx="4806950" cy="3086100"/>
+            <a:off x="2236788" y="1143000"/>
+            <a:ext cx="2384425" cy="3086100"/>
           </a:xfrm>
         </p:spPr>
       </p:sp>
@@ -556,7 +556,7 @@
 
 <file path=ppt/slideLayouts/slideLayout1.xml><?xml version="1.0" encoding="utf-8"?>
 <p:sldLayout xmlns:a="http://schemas.openxmlformats.org/drawingml/2006/main" xmlns:r="http://schemas.openxmlformats.org/officeDocument/2006/relationships" xmlns:p="http://schemas.openxmlformats.org/presentationml/2006/main" type="title" preserve="1">
-  <p:cSld name="Title Slide">
+  <p:cSld name="Titeldia">
     <p:spTree>
       <p:nvGrpSpPr>
         <p:cNvPr id="1" name=""/>
@@ -583,21 +583,21 @@
         </p:nvSpPr>
         <p:spPr>
           <a:xfrm>
-            <a:off x="1124942" y="945695"/>
-            <a:ext cx="6749654" cy="2011774"/>
+            <a:off x="458986" y="1296173"/>
+            <a:ext cx="5201841" cy="2757347"/>
           </a:xfrm>
         </p:spPr>
         <p:txBody>
           <a:bodyPr anchor="b"/>
           <a:lstStyle>
             <a:lvl1pPr algn="ctr">
-              <a:defRPr sz="4429"/>
+              <a:defRPr sz="4016"/>
             </a:lvl1pPr>
           </a:lstStyle>
           <a:p>
             <a:r>
-              <a:rPr lang="en-US"/>
-              <a:t>Click to edit Master title style</a:t>
+              <a:rPr lang="nl-NL"/>
+              <a:t>Klik om stijl te bewerken</a:t>
             </a:r>
             <a:endParaRPr lang="en-US" dirty="0"/>
           </a:p>
@@ -615,8 +615,8 @@
         </p:nvSpPr>
         <p:spPr>
           <a:xfrm>
-            <a:off x="1124942" y="3035050"/>
-            <a:ext cx="6749654" cy="1395133"/>
+            <a:off x="764977" y="4159854"/>
+            <a:ext cx="4589860" cy="1912175"/>
           </a:xfrm>
         </p:spPr>
         <p:txBody>
@@ -624,45 +624,45 @@
           <a:lstStyle>
             <a:lvl1pPr marL="0" indent="0" algn="ctr">
               <a:buNone/>
-              <a:defRPr sz="1772"/>
+              <a:defRPr sz="1606"/>
             </a:lvl1pPr>
-            <a:lvl2pPr marL="337505" indent="0" algn="ctr">
-              <a:buNone/>
-              <a:defRPr sz="1476"/>
+            <a:lvl2pPr marL="306004" indent="0" algn="ctr">
+              <a:buNone/>
+              <a:defRPr sz="1339"/>
             </a:lvl2pPr>
-            <a:lvl3pPr marL="675010" indent="0" algn="ctr">
-              <a:buNone/>
-              <a:defRPr sz="1329"/>
+            <a:lvl3pPr marL="612008" indent="0" algn="ctr">
+              <a:buNone/>
+              <a:defRPr sz="1205"/>
             </a:lvl3pPr>
-            <a:lvl4pPr marL="1012515" indent="0" algn="ctr">
-              <a:buNone/>
-              <a:defRPr sz="1181"/>
+            <a:lvl4pPr marL="918012" indent="0" algn="ctr">
+              <a:buNone/>
+              <a:defRPr sz="1071"/>
             </a:lvl4pPr>
-            <a:lvl5pPr marL="1350020" indent="0" algn="ctr">
-              <a:buNone/>
-              <a:defRPr sz="1181"/>
+            <a:lvl5pPr marL="1224016" indent="0" algn="ctr">
+              <a:buNone/>
+              <a:defRPr sz="1071"/>
             </a:lvl5pPr>
-            <a:lvl6pPr marL="1687525" indent="0" algn="ctr">
-              <a:buNone/>
-              <a:defRPr sz="1181"/>
+            <a:lvl6pPr marL="1530020" indent="0" algn="ctr">
+              <a:buNone/>
+              <a:defRPr sz="1071"/>
             </a:lvl6pPr>
-            <a:lvl7pPr marL="2025030" indent="0" algn="ctr">
-              <a:buNone/>
-              <a:defRPr sz="1181"/>
+            <a:lvl7pPr marL="1836024" indent="0" algn="ctr">
+              <a:buNone/>
+              <a:defRPr sz="1071"/>
             </a:lvl7pPr>
-            <a:lvl8pPr marL="2362535" indent="0" algn="ctr">
-              <a:buNone/>
-              <a:defRPr sz="1181"/>
+            <a:lvl8pPr marL="2142028" indent="0" algn="ctr">
+              <a:buNone/>
+              <a:defRPr sz="1071"/>
             </a:lvl8pPr>
-            <a:lvl9pPr marL="2700040" indent="0" algn="ctr">
-              <a:buNone/>
-              <a:defRPr sz="1181"/>
+            <a:lvl9pPr marL="2448032" indent="0" algn="ctr">
+              <a:buNone/>
+              <a:defRPr sz="1071"/>
             </a:lvl9pPr>
           </a:lstStyle>
           <a:p>
             <a:r>
-              <a:rPr lang="en-US"/>
-              <a:t>Click to edit Master subtitle style</a:t>
+              <a:rPr lang="nl-NL"/>
+              <a:t>Klikken om de ondertitelstijl van het model te bewerken</a:t>
             </a:r>
             <a:endParaRPr lang="en-US" dirty="0"/>
           </a:p>
@@ -685,7 +685,7 @@
           <a:p>
             <a:fld id="{82D27196-1245-4BB2-84DD-54A9D6EE0062}" type="datetimeFigureOut">
               <a:rPr lang="en-NL" smtClean="0"/>
-              <a:t>08/30/2020</a:t>
+              <a:t>09/04/2020</a:t>
             </a:fld>
             <a:endParaRPr lang="en-NL"/>
           </a:p>
@@ -736,7 +736,7 @@
     </p:spTree>
     <p:extLst>
       <p:ext uri="{BB962C8B-B14F-4D97-AF65-F5344CB8AC3E}">
-        <p14:creationId xmlns:p14="http://schemas.microsoft.com/office/powerpoint/2010/main" val="726628113"/>
+        <p14:creationId xmlns:p14="http://schemas.microsoft.com/office/powerpoint/2010/main" val="803815459"/>
       </p:ext>
     </p:extLst>
   </p:cSld>
@@ -748,7 +748,7 @@
 
 <file path=ppt/slideLayouts/slideLayout10.xml><?xml version="1.0" encoding="utf-8"?>
 <p:sldLayout xmlns:a="http://schemas.openxmlformats.org/drawingml/2006/main" xmlns:r="http://schemas.openxmlformats.org/officeDocument/2006/relationships" xmlns:p="http://schemas.openxmlformats.org/presentationml/2006/main" type="vertTx" preserve="1">
-  <p:cSld name="Title and Vertical Text">
+  <p:cSld name="Titel en verticale tekst">
     <p:spTree>
       <p:nvGrpSpPr>
         <p:cNvPr id="1" name=""/>
@@ -779,8 +779,8 @@
           <a:lstStyle/>
           <a:p>
             <a:r>
-              <a:rPr lang="en-US"/>
-              <a:t>Click to edit Master title style</a:t>
+              <a:rPr lang="nl-NL"/>
+              <a:t>Klik om stijl te bewerken</a:t>
             </a:r>
             <a:endParaRPr lang="en-US" dirty="0"/>
           </a:p>
@@ -803,36 +803,36 @@
           <a:p>
             <a:pPr lvl="0"/>
             <a:r>
-              <a:rPr lang="en-US"/>
-              <a:t>Click to edit Master text styles</a:t>
+              <a:rPr lang="nl-NL"/>
+              <a:t>Klikken om de tekststijl van het model te bewerken</a:t>
             </a:r>
           </a:p>
           <a:p>
             <a:pPr lvl="1"/>
             <a:r>
-              <a:rPr lang="en-US"/>
-              <a:t>Second level</a:t>
+              <a:rPr lang="nl-NL"/>
+              <a:t>Tweede niveau</a:t>
             </a:r>
           </a:p>
           <a:p>
             <a:pPr lvl="2"/>
             <a:r>
-              <a:rPr lang="en-US"/>
-              <a:t>Third level</a:t>
+              <a:rPr lang="nl-NL"/>
+              <a:t>Derde niveau</a:t>
             </a:r>
           </a:p>
           <a:p>
             <a:pPr lvl="3"/>
             <a:r>
-              <a:rPr lang="en-US"/>
-              <a:t>Fourth level</a:t>
+              <a:rPr lang="nl-NL"/>
+              <a:t>Vierde niveau</a:t>
             </a:r>
           </a:p>
           <a:p>
             <a:pPr lvl="4"/>
             <a:r>
-              <a:rPr lang="en-US"/>
-              <a:t>Fifth level</a:t>
+              <a:rPr lang="nl-NL"/>
+              <a:t>Vijfde niveau</a:t>
             </a:r>
             <a:endParaRPr lang="en-US" dirty="0"/>
           </a:p>
@@ -855,7 +855,7 @@
           <a:p>
             <a:fld id="{82D27196-1245-4BB2-84DD-54A9D6EE0062}" type="datetimeFigureOut">
               <a:rPr lang="en-NL" smtClean="0"/>
-              <a:t>08/30/2020</a:t>
+              <a:t>09/04/2020</a:t>
             </a:fld>
             <a:endParaRPr lang="en-NL"/>
           </a:p>
@@ -906,7 +906,7 @@
     </p:spTree>
     <p:extLst>
       <p:ext uri="{BB962C8B-B14F-4D97-AF65-F5344CB8AC3E}">
-        <p14:creationId xmlns:p14="http://schemas.microsoft.com/office/powerpoint/2010/main" val="4032410397"/>
+        <p14:creationId xmlns:p14="http://schemas.microsoft.com/office/powerpoint/2010/main" val="1297164012"/>
       </p:ext>
     </p:extLst>
   </p:cSld>
@@ -918,7 +918,7 @@
 
 <file path=ppt/slideLayouts/slideLayout11.xml><?xml version="1.0" encoding="utf-8"?>
 <p:sldLayout xmlns:a="http://schemas.openxmlformats.org/drawingml/2006/main" xmlns:r="http://schemas.openxmlformats.org/officeDocument/2006/relationships" xmlns:p="http://schemas.openxmlformats.org/presentationml/2006/main" type="vertTitleAndTx" preserve="1">
-  <p:cSld name="Vertical Title and Text">
+  <p:cSld name="Verticale titel en tekst">
     <p:spTree>
       <p:nvGrpSpPr>
         <p:cNvPr id="1" name=""/>
@@ -945,8 +945,8 @@
         </p:nvSpPr>
         <p:spPr>
           <a:xfrm>
-            <a:off x="6440295" y="307651"/>
-            <a:ext cx="1940525" cy="4897012"/>
+            <a:off x="4379491" y="421669"/>
+            <a:ext cx="1319585" cy="6711866"/>
           </a:xfrm>
         </p:spPr>
         <p:txBody>
@@ -954,8 +954,8 @@
           <a:lstStyle/>
           <a:p>
             <a:r>
-              <a:rPr lang="en-US"/>
-              <a:t>Click to edit Master title style</a:t>
+              <a:rPr lang="nl-NL"/>
+              <a:t>Klik om stijl te bewerken</a:t>
             </a:r>
             <a:endParaRPr lang="en-US" dirty="0"/>
           </a:p>
@@ -973,8 +973,8 @@
         </p:nvSpPr>
         <p:spPr>
           <a:xfrm>
-            <a:off x="618718" y="307651"/>
-            <a:ext cx="5709082" cy="4897012"/>
+            <a:off x="420738" y="421669"/>
+            <a:ext cx="3882256" cy="6711866"/>
           </a:xfrm>
         </p:spPr>
         <p:txBody>
@@ -983,36 +983,36 @@
           <a:p>
             <a:pPr lvl="0"/>
             <a:r>
-              <a:rPr lang="en-US"/>
-              <a:t>Click to edit Master text styles</a:t>
+              <a:rPr lang="nl-NL"/>
+              <a:t>Klikken om de tekststijl van het model te bewerken</a:t>
             </a:r>
           </a:p>
           <a:p>
             <a:pPr lvl="1"/>
             <a:r>
-              <a:rPr lang="en-US"/>
-              <a:t>Second level</a:t>
+              <a:rPr lang="nl-NL"/>
+              <a:t>Tweede niveau</a:t>
             </a:r>
           </a:p>
           <a:p>
             <a:pPr lvl="2"/>
             <a:r>
-              <a:rPr lang="en-US"/>
-              <a:t>Third level</a:t>
+              <a:rPr lang="nl-NL"/>
+              <a:t>Derde niveau</a:t>
             </a:r>
           </a:p>
           <a:p>
             <a:pPr lvl="3"/>
             <a:r>
-              <a:rPr lang="en-US"/>
-              <a:t>Fourth level</a:t>
+              <a:rPr lang="nl-NL"/>
+              <a:t>Vierde niveau</a:t>
             </a:r>
           </a:p>
           <a:p>
             <a:pPr lvl="4"/>
             <a:r>
-              <a:rPr lang="en-US"/>
-              <a:t>Fifth level</a:t>
+              <a:rPr lang="nl-NL"/>
+              <a:t>Vijfde niveau</a:t>
             </a:r>
             <a:endParaRPr lang="en-US" dirty="0"/>
           </a:p>
@@ -1035,7 +1035,7 @@
           <a:p>
             <a:fld id="{82D27196-1245-4BB2-84DD-54A9D6EE0062}" type="datetimeFigureOut">
               <a:rPr lang="en-NL" smtClean="0"/>
-              <a:t>08/30/2020</a:t>
+              <a:t>09/04/2020</a:t>
             </a:fld>
             <a:endParaRPr lang="en-NL"/>
           </a:p>
@@ -1086,7 +1086,7 @@
     </p:spTree>
     <p:extLst>
       <p:ext uri="{BB962C8B-B14F-4D97-AF65-F5344CB8AC3E}">
-        <p14:creationId xmlns:p14="http://schemas.microsoft.com/office/powerpoint/2010/main" val="1708864354"/>
+        <p14:creationId xmlns:p14="http://schemas.microsoft.com/office/powerpoint/2010/main" val="442645056"/>
       </p:ext>
     </p:extLst>
   </p:cSld>
@@ -1098,7 +1098,7 @@
 
 <file path=ppt/slideLayouts/slideLayout2.xml><?xml version="1.0" encoding="utf-8"?>
 <p:sldLayout xmlns:a="http://schemas.openxmlformats.org/drawingml/2006/main" xmlns:r="http://schemas.openxmlformats.org/officeDocument/2006/relationships" xmlns:p="http://schemas.openxmlformats.org/presentationml/2006/main" type="obj" preserve="1">
-  <p:cSld name="Title and Content">
+  <p:cSld name="Titel en object">
     <p:spTree>
       <p:nvGrpSpPr>
         <p:cNvPr id="1" name=""/>
@@ -1129,8 +1129,8 @@
           <a:lstStyle/>
           <a:p>
             <a:r>
-              <a:rPr lang="en-US"/>
-              <a:t>Click to edit Master title style</a:t>
+              <a:rPr lang="nl-NL"/>
+              <a:t>Klik om stijl te bewerken</a:t>
             </a:r>
             <a:endParaRPr lang="en-US" dirty="0"/>
           </a:p>
@@ -1153,36 +1153,36 @@
           <a:p>
             <a:pPr lvl="0"/>
             <a:r>
-              <a:rPr lang="en-US"/>
-              <a:t>Click to edit Master text styles</a:t>
+              <a:rPr lang="nl-NL"/>
+              <a:t>Klikken om de tekststijl van het model te bewerken</a:t>
             </a:r>
           </a:p>
           <a:p>
             <a:pPr lvl="1"/>
             <a:r>
-              <a:rPr lang="en-US"/>
-              <a:t>Second level</a:t>
+              <a:rPr lang="nl-NL"/>
+              <a:t>Tweede niveau</a:t>
             </a:r>
           </a:p>
           <a:p>
             <a:pPr lvl="2"/>
             <a:r>
-              <a:rPr lang="en-US"/>
-              <a:t>Third level</a:t>
+              <a:rPr lang="nl-NL"/>
+              <a:t>Derde niveau</a:t>
             </a:r>
           </a:p>
           <a:p>
             <a:pPr lvl="3"/>
             <a:r>
-              <a:rPr lang="en-US"/>
-              <a:t>Fourth level</a:t>
+              <a:rPr lang="nl-NL"/>
+              <a:t>Vierde niveau</a:t>
             </a:r>
           </a:p>
           <a:p>
             <a:pPr lvl="4"/>
             <a:r>
-              <a:rPr lang="en-US"/>
-              <a:t>Fifth level</a:t>
+              <a:rPr lang="nl-NL"/>
+              <a:t>Vijfde niveau</a:t>
             </a:r>
             <a:endParaRPr lang="en-US" dirty="0"/>
           </a:p>
@@ -1205,7 +1205,7 @@
           <a:p>
             <a:fld id="{82D27196-1245-4BB2-84DD-54A9D6EE0062}" type="datetimeFigureOut">
               <a:rPr lang="en-NL" smtClean="0"/>
-              <a:t>08/30/2020</a:t>
+              <a:t>09/04/2020</a:t>
             </a:fld>
             <a:endParaRPr lang="en-NL"/>
           </a:p>
@@ -1256,7 +1256,7 @@
     </p:spTree>
     <p:extLst>
       <p:ext uri="{BB962C8B-B14F-4D97-AF65-F5344CB8AC3E}">
-        <p14:creationId xmlns:p14="http://schemas.microsoft.com/office/powerpoint/2010/main" val="4155254182"/>
+        <p14:creationId xmlns:p14="http://schemas.microsoft.com/office/powerpoint/2010/main" val="940090214"/>
       </p:ext>
     </p:extLst>
   </p:cSld>
@@ -1268,7 +1268,7 @@
 
 <file path=ppt/slideLayouts/slideLayout3.xml><?xml version="1.0" encoding="utf-8"?>
 <p:sldLayout xmlns:a="http://schemas.openxmlformats.org/drawingml/2006/main" xmlns:r="http://schemas.openxmlformats.org/officeDocument/2006/relationships" xmlns:p="http://schemas.openxmlformats.org/presentationml/2006/main" type="secHead" preserve="1">
-  <p:cSld name="Section Header">
+  <p:cSld name="Sectiekop">
     <p:spTree>
       <p:nvGrpSpPr>
         <p:cNvPr id="1" name=""/>
@@ -1295,21 +1295,21 @@
         </p:nvSpPr>
         <p:spPr>
           <a:xfrm>
-            <a:off x="614031" y="1440613"/>
-            <a:ext cx="7762102" cy="2403695"/>
+            <a:off x="417550" y="1974512"/>
+            <a:ext cx="5278339" cy="3294515"/>
           </a:xfrm>
         </p:spPr>
         <p:txBody>
           <a:bodyPr anchor="b"/>
           <a:lstStyle>
             <a:lvl1pPr>
-              <a:defRPr sz="4429"/>
+              <a:defRPr sz="4016"/>
             </a:lvl1pPr>
           </a:lstStyle>
           <a:p>
             <a:r>
-              <a:rPr lang="en-US"/>
-              <a:t>Click to edit Master title style</a:t>
+              <a:rPr lang="nl-NL"/>
+              <a:t>Klik om stijl te bewerken</a:t>
             </a:r>
             <a:endParaRPr lang="en-US" dirty="0"/>
           </a:p>
@@ -1327,8 +1327,8 @@
         </p:nvSpPr>
         <p:spPr>
           <a:xfrm>
-            <a:off x="614031" y="3867048"/>
-            <a:ext cx="7762102" cy="1264046"/>
+            <a:off x="417550" y="5300194"/>
+            <a:ext cx="5278339" cy="1732508"/>
           </a:xfrm>
         </p:spPr>
         <p:txBody>
@@ -1336,17 +1336,15 @@
           <a:lstStyle>
             <a:lvl1pPr marL="0" indent="0">
               <a:buNone/>
-              <a:defRPr sz="1772">
+              <a:defRPr sz="1606">
                 <a:solidFill>
-                  <a:schemeClr val="tx1">
-                    <a:tint val="75000"/>
-                  </a:schemeClr>
+                  <a:schemeClr val="tx1"/>
                 </a:solidFill>
               </a:defRPr>
             </a:lvl1pPr>
-            <a:lvl2pPr marL="337505" indent="0">
-              <a:buNone/>
-              <a:defRPr sz="1476">
+            <a:lvl2pPr marL="306004" indent="0">
+              <a:buNone/>
+              <a:defRPr sz="1339">
                 <a:solidFill>
                   <a:schemeClr val="tx1">
                     <a:tint val="75000"/>
@@ -1354,9 +1352,9 @@
                 </a:solidFill>
               </a:defRPr>
             </a:lvl2pPr>
-            <a:lvl3pPr marL="675010" indent="0">
-              <a:buNone/>
-              <a:defRPr sz="1329">
+            <a:lvl3pPr marL="612008" indent="0">
+              <a:buNone/>
+              <a:defRPr sz="1205">
                 <a:solidFill>
                   <a:schemeClr val="tx1">
                     <a:tint val="75000"/>
@@ -1364,9 +1362,9 @@
                 </a:solidFill>
               </a:defRPr>
             </a:lvl3pPr>
-            <a:lvl4pPr marL="1012515" indent="0">
-              <a:buNone/>
-              <a:defRPr sz="1181">
+            <a:lvl4pPr marL="918012" indent="0">
+              <a:buNone/>
+              <a:defRPr sz="1071">
                 <a:solidFill>
                   <a:schemeClr val="tx1">
                     <a:tint val="75000"/>
@@ -1374,9 +1372,9 @@
                 </a:solidFill>
               </a:defRPr>
             </a:lvl4pPr>
-            <a:lvl5pPr marL="1350020" indent="0">
-              <a:buNone/>
-              <a:defRPr sz="1181">
+            <a:lvl5pPr marL="1224016" indent="0">
+              <a:buNone/>
+              <a:defRPr sz="1071">
                 <a:solidFill>
                   <a:schemeClr val="tx1">
                     <a:tint val="75000"/>
@@ -1384,9 +1382,9 @@
                 </a:solidFill>
               </a:defRPr>
             </a:lvl5pPr>
-            <a:lvl6pPr marL="1687525" indent="0">
-              <a:buNone/>
-              <a:defRPr sz="1181">
+            <a:lvl6pPr marL="1530020" indent="0">
+              <a:buNone/>
+              <a:defRPr sz="1071">
                 <a:solidFill>
                   <a:schemeClr val="tx1">
                     <a:tint val="75000"/>
@@ -1394,9 +1392,9 @@
                 </a:solidFill>
               </a:defRPr>
             </a:lvl6pPr>
-            <a:lvl7pPr marL="2025030" indent="0">
-              <a:buNone/>
-              <a:defRPr sz="1181">
+            <a:lvl7pPr marL="1836024" indent="0">
+              <a:buNone/>
+              <a:defRPr sz="1071">
                 <a:solidFill>
                   <a:schemeClr val="tx1">
                     <a:tint val="75000"/>
@@ -1404,9 +1402,9 @@
                 </a:solidFill>
               </a:defRPr>
             </a:lvl7pPr>
-            <a:lvl8pPr marL="2362535" indent="0">
-              <a:buNone/>
-              <a:defRPr sz="1181">
+            <a:lvl8pPr marL="2142028" indent="0">
+              <a:buNone/>
+              <a:defRPr sz="1071">
                 <a:solidFill>
                   <a:schemeClr val="tx1">
                     <a:tint val="75000"/>
@@ -1414,9 +1412,9 @@
                 </a:solidFill>
               </a:defRPr>
             </a:lvl8pPr>
-            <a:lvl9pPr marL="2700040" indent="0">
-              <a:buNone/>
-              <a:defRPr sz="1181">
+            <a:lvl9pPr marL="2448032" indent="0">
+              <a:buNone/>
+              <a:defRPr sz="1071">
                 <a:solidFill>
                   <a:schemeClr val="tx1">
                     <a:tint val="75000"/>
@@ -1428,8 +1426,8 @@
           <a:p>
             <a:pPr lvl="0"/>
             <a:r>
-              <a:rPr lang="en-US"/>
-              <a:t>Click to edit Master text styles</a:t>
+              <a:rPr lang="nl-NL"/>
+              <a:t>Klikken om de tekststijl van het model te bewerken</a:t>
             </a:r>
           </a:p>
         </p:txBody>
@@ -1451,7 +1449,7 @@
           <a:p>
             <a:fld id="{82D27196-1245-4BB2-84DD-54A9D6EE0062}" type="datetimeFigureOut">
               <a:rPr lang="en-NL" smtClean="0"/>
-              <a:t>08/30/2020</a:t>
+              <a:t>09/04/2020</a:t>
             </a:fld>
             <a:endParaRPr lang="en-NL"/>
           </a:p>
@@ -1502,7 +1500,7 @@
     </p:spTree>
     <p:extLst>
       <p:ext uri="{BB962C8B-B14F-4D97-AF65-F5344CB8AC3E}">
-        <p14:creationId xmlns:p14="http://schemas.microsoft.com/office/powerpoint/2010/main" val="1774673918"/>
+        <p14:creationId xmlns:p14="http://schemas.microsoft.com/office/powerpoint/2010/main" val="3232066707"/>
       </p:ext>
     </p:extLst>
   </p:cSld>
@@ -1514,7 +1512,7 @@
 
 <file path=ppt/slideLayouts/slideLayout4.xml><?xml version="1.0" encoding="utf-8"?>
 <p:sldLayout xmlns:a="http://schemas.openxmlformats.org/drawingml/2006/main" xmlns:r="http://schemas.openxmlformats.org/officeDocument/2006/relationships" xmlns:p="http://schemas.openxmlformats.org/presentationml/2006/main" type="twoObj" preserve="1">
-  <p:cSld name="Two Content">
+  <p:cSld name="Inhoud van twee">
     <p:spTree>
       <p:nvGrpSpPr>
         <p:cNvPr id="1" name=""/>
@@ -1545,8 +1543,8 @@
           <a:lstStyle/>
           <a:p>
             <a:r>
-              <a:rPr lang="en-US"/>
-              <a:t>Click to edit Master title style</a:t>
+              <a:rPr lang="nl-NL"/>
+              <a:t>Klik om stijl te bewerken</a:t>
             </a:r>
             <a:endParaRPr lang="en-US" dirty="0"/>
           </a:p>
@@ -1564,8 +1562,8 @@
         </p:nvSpPr>
         <p:spPr>
           <a:xfrm>
-            <a:off x="618718" y="1538258"/>
-            <a:ext cx="3824804" cy="3666405"/>
+            <a:off x="420737" y="2108344"/>
+            <a:ext cx="2600921" cy="5025191"/>
           </a:xfrm>
         </p:spPr>
         <p:txBody>
@@ -1574,36 +1572,36 @@
           <a:p>
             <a:pPr lvl="0"/>
             <a:r>
-              <a:rPr lang="en-US"/>
-              <a:t>Click to edit Master text styles</a:t>
+              <a:rPr lang="nl-NL"/>
+              <a:t>Klikken om de tekststijl van het model te bewerken</a:t>
             </a:r>
           </a:p>
           <a:p>
             <a:pPr lvl="1"/>
             <a:r>
-              <a:rPr lang="en-US"/>
-              <a:t>Second level</a:t>
+              <a:rPr lang="nl-NL"/>
+              <a:t>Tweede niveau</a:t>
             </a:r>
           </a:p>
           <a:p>
             <a:pPr lvl="2"/>
             <a:r>
-              <a:rPr lang="en-US"/>
-              <a:t>Third level</a:t>
+              <a:rPr lang="nl-NL"/>
+              <a:t>Derde niveau</a:t>
             </a:r>
           </a:p>
           <a:p>
             <a:pPr lvl="3"/>
             <a:r>
-              <a:rPr lang="en-US"/>
-              <a:t>Fourth level</a:t>
+              <a:rPr lang="nl-NL"/>
+              <a:t>Vierde niveau</a:t>
             </a:r>
           </a:p>
           <a:p>
             <a:pPr lvl="4"/>
             <a:r>
-              <a:rPr lang="en-US"/>
-              <a:t>Fifth level</a:t>
+              <a:rPr lang="nl-NL"/>
+              <a:t>Vijfde niveau</a:t>
             </a:r>
             <a:endParaRPr lang="en-US" dirty="0"/>
           </a:p>
@@ -1621,8 +1619,8 @@
         </p:nvSpPr>
         <p:spPr>
           <a:xfrm>
-            <a:off x="4556016" y="1538258"/>
-            <a:ext cx="3824804" cy="3666405"/>
+            <a:off x="3098155" y="2108344"/>
+            <a:ext cx="2600921" cy="5025191"/>
           </a:xfrm>
         </p:spPr>
         <p:txBody>
@@ -1631,36 +1629,36 @@
           <a:p>
             <a:pPr lvl="0"/>
             <a:r>
-              <a:rPr lang="en-US"/>
-              <a:t>Click to edit Master text styles</a:t>
+              <a:rPr lang="nl-NL"/>
+              <a:t>Klikken om de tekststijl van het model te bewerken</a:t>
             </a:r>
           </a:p>
           <a:p>
             <a:pPr lvl="1"/>
             <a:r>
-              <a:rPr lang="en-US"/>
-              <a:t>Second level</a:t>
+              <a:rPr lang="nl-NL"/>
+              <a:t>Tweede niveau</a:t>
             </a:r>
           </a:p>
           <a:p>
             <a:pPr lvl="2"/>
             <a:r>
-              <a:rPr lang="en-US"/>
-              <a:t>Third level</a:t>
+              <a:rPr lang="nl-NL"/>
+              <a:t>Derde niveau</a:t>
             </a:r>
           </a:p>
           <a:p>
             <a:pPr lvl="3"/>
             <a:r>
-              <a:rPr lang="en-US"/>
-              <a:t>Fourth level</a:t>
+              <a:rPr lang="nl-NL"/>
+              <a:t>Vierde niveau</a:t>
             </a:r>
           </a:p>
           <a:p>
             <a:pPr lvl="4"/>
             <a:r>
-              <a:rPr lang="en-US"/>
-              <a:t>Fifth level</a:t>
+              <a:rPr lang="nl-NL"/>
+              <a:t>Vijfde niveau</a:t>
             </a:r>
             <a:endParaRPr lang="en-US" dirty="0"/>
           </a:p>
@@ -1683,7 +1681,7 @@
           <a:p>
             <a:fld id="{82D27196-1245-4BB2-84DD-54A9D6EE0062}" type="datetimeFigureOut">
               <a:rPr lang="en-NL" smtClean="0"/>
-              <a:t>08/30/2020</a:t>
+              <a:t>09/04/2020</a:t>
             </a:fld>
             <a:endParaRPr lang="en-NL"/>
           </a:p>
@@ -1734,7 +1732,7 @@
     </p:spTree>
     <p:extLst>
       <p:ext uri="{BB962C8B-B14F-4D97-AF65-F5344CB8AC3E}">
-        <p14:creationId xmlns:p14="http://schemas.microsoft.com/office/powerpoint/2010/main" val="1814680803"/>
+        <p14:creationId xmlns:p14="http://schemas.microsoft.com/office/powerpoint/2010/main" val="60868525"/>
       </p:ext>
     </p:extLst>
   </p:cSld>
@@ -1746,7 +1744,7 @@
 
 <file path=ppt/slideLayouts/slideLayout5.xml><?xml version="1.0" encoding="utf-8"?>
 <p:sldLayout xmlns:a="http://schemas.openxmlformats.org/drawingml/2006/main" xmlns:r="http://schemas.openxmlformats.org/officeDocument/2006/relationships" xmlns:p="http://schemas.openxmlformats.org/presentationml/2006/main" type="twoTxTwoObj" preserve="1">
-  <p:cSld name="Comparison">
+  <p:cSld name="Vergelijking">
     <p:spTree>
       <p:nvGrpSpPr>
         <p:cNvPr id="1" name=""/>
@@ -1773,8 +1771,8 @@
         </p:nvSpPr>
         <p:spPr>
           <a:xfrm>
-            <a:off x="619890" y="307652"/>
-            <a:ext cx="7762102" cy="1116910"/>
+            <a:off x="421534" y="421671"/>
+            <a:ext cx="5278339" cy="1530841"/>
           </a:xfrm>
         </p:spPr>
         <p:txBody>
@@ -1782,8 +1780,8 @@
           <a:lstStyle/>
           <a:p>
             <a:r>
-              <a:rPr lang="en-US"/>
-              <a:t>Click to edit Master title style</a:t>
+              <a:rPr lang="nl-NL"/>
+              <a:t>Klik om stijl te bewerken</a:t>
             </a:r>
             <a:endParaRPr lang="en-US" dirty="0"/>
           </a:p>
@@ -1801,8 +1799,8 @@
         </p:nvSpPr>
         <p:spPr>
           <a:xfrm>
-            <a:off x="619891" y="1416536"/>
-            <a:ext cx="3807226" cy="694222"/>
+            <a:off x="421535" y="1941510"/>
+            <a:ext cx="2588967" cy="951504"/>
           </a:xfrm>
         </p:spPr>
         <p:txBody>
@@ -1810,46 +1808,46 @@
           <a:lstStyle>
             <a:lvl1pPr marL="0" indent="0">
               <a:buNone/>
-              <a:defRPr sz="1772" b="1"/>
+              <a:defRPr sz="1606" b="1"/>
             </a:lvl1pPr>
-            <a:lvl2pPr marL="337505" indent="0">
-              <a:buNone/>
-              <a:defRPr sz="1476" b="1"/>
+            <a:lvl2pPr marL="306004" indent="0">
+              <a:buNone/>
+              <a:defRPr sz="1339" b="1"/>
             </a:lvl2pPr>
-            <a:lvl3pPr marL="675010" indent="0">
-              <a:buNone/>
-              <a:defRPr sz="1329" b="1"/>
+            <a:lvl3pPr marL="612008" indent="0">
+              <a:buNone/>
+              <a:defRPr sz="1205" b="1"/>
             </a:lvl3pPr>
-            <a:lvl4pPr marL="1012515" indent="0">
-              <a:buNone/>
-              <a:defRPr sz="1181" b="1"/>
+            <a:lvl4pPr marL="918012" indent="0">
+              <a:buNone/>
+              <a:defRPr sz="1071" b="1"/>
             </a:lvl4pPr>
-            <a:lvl5pPr marL="1350020" indent="0">
-              <a:buNone/>
-              <a:defRPr sz="1181" b="1"/>
+            <a:lvl5pPr marL="1224016" indent="0">
+              <a:buNone/>
+              <a:defRPr sz="1071" b="1"/>
             </a:lvl5pPr>
-            <a:lvl6pPr marL="1687525" indent="0">
-              <a:buNone/>
-              <a:defRPr sz="1181" b="1"/>
+            <a:lvl6pPr marL="1530020" indent="0">
+              <a:buNone/>
+              <a:defRPr sz="1071" b="1"/>
             </a:lvl6pPr>
-            <a:lvl7pPr marL="2025030" indent="0">
-              <a:buNone/>
-              <a:defRPr sz="1181" b="1"/>
+            <a:lvl7pPr marL="1836024" indent="0">
+              <a:buNone/>
+              <a:defRPr sz="1071" b="1"/>
             </a:lvl7pPr>
-            <a:lvl8pPr marL="2362535" indent="0">
-              <a:buNone/>
-              <a:defRPr sz="1181" b="1"/>
+            <a:lvl8pPr marL="2142028" indent="0">
+              <a:buNone/>
+              <a:defRPr sz="1071" b="1"/>
             </a:lvl8pPr>
-            <a:lvl9pPr marL="2700040" indent="0">
-              <a:buNone/>
-              <a:defRPr sz="1181" b="1"/>
+            <a:lvl9pPr marL="2448032" indent="0">
+              <a:buNone/>
+              <a:defRPr sz="1071" b="1"/>
             </a:lvl9pPr>
           </a:lstStyle>
           <a:p>
             <a:pPr lvl="0"/>
             <a:r>
-              <a:rPr lang="en-US"/>
-              <a:t>Click to edit Master text styles</a:t>
+              <a:rPr lang="nl-NL"/>
+              <a:t>Klikken om de tekststijl van het model te bewerken</a:t>
             </a:r>
           </a:p>
         </p:txBody>
@@ -1866,8 +1864,8 @@
         </p:nvSpPr>
         <p:spPr>
           <a:xfrm>
-            <a:off x="619891" y="2110757"/>
-            <a:ext cx="3807226" cy="3104607"/>
+            <a:off x="421535" y="2893014"/>
+            <a:ext cx="2588967" cy="4255188"/>
           </a:xfrm>
         </p:spPr>
         <p:txBody>
@@ -1876,36 +1874,36 @@
           <a:p>
             <a:pPr lvl="0"/>
             <a:r>
-              <a:rPr lang="en-US"/>
-              <a:t>Click to edit Master text styles</a:t>
+              <a:rPr lang="nl-NL"/>
+              <a:t>Klikken om de tekststijl van het model te bewerken</a:t>
             </a:r>
           </a:p>
           <a:p>
             <a:pPr lvl="1"/>
             <a:r>
-              <a:rPr lang="en-US"/>
-              <a:t>Second level</a:t>
+              <a:rPr lang="nl-NL"/>
+              <a:t>Tweede niveau</a:t>
             </a:r>
           </a:p>
           <a:p>
             <a:pPr lvl="2"/>
             <a:r>
-              <a:rPr lang="en-US"/>
-              <a:t>Third level</a:t>
+              <a:rPr lang="nl-NL"/>
+              <a:t>Derde niveau</a:t>
             </a:r>
           </a:p>
           <a:p>
             <a:pPr lvl="3"/>
             <a:r>
-              <a:rPr lang="en-US"/>
-              <a:t>Fourth level</a:t>
+              <a:rPr lang="nl-NL"/>
+              <a:t>Vierde niveau</a:t>
             </a:r>
           </a:p>
           <a:p>
             <a:pPr lvl="4"/>
             <a:r>
-              <a:rPr lang="en-US"/>
-              <a:t>Fifth level</a:t>
+              <a:rPr lang="nl-NL"/>
+              <a:t>Vijfde niveau</a:t>
             </a:r>
             <a:endParaRPr lang="en-US" dirty="0"/>
           </a:p>
@@ -1923,8 +1921,8 @@
         </p:nvSpPr>
         <p:spPr>
           <a:xfrm>
-            <a:off x="4556016" y="1416536"/>
-            <a:ext cx="3825976" cy="694222"/>
+            <a:off x="3098155" y="1941510"/>
+            <a:ext cx="2601718" cy="951504"/>
           </a:xfrm>
         </p:spPr>
         <p:txBody>
@@ -1932,46 +1930,46 @@
           <a:lstStyle>
             <a:lvl1pPr marL="0" indent="0">
               <a:buNone/>
-              <a:defRPr sz="1772" b="1"/>
+              <a:defRPr sz="1606" b="1"/>
             </a:lvl1pPr>
-            <a:lvl2pPr marL="337505" indent="0">
-              <a:buNone/>
-              <a:defRPr sz="1476" b="1"/>
+            <a:lvl2pPr marL="306004" indent="0">
+              <a:buNone/>
+              <a:defRPr sz="1339" b="1"/>
             </a:lvl2pPr>
-            <a:lvl3pPr marL="675010" indent="0">
-              <a:buNone/>
-              <a:defRPr sz="1329" b="1"/>
+            <a:lvl3pPr marL="612008" indent="0">
+              <a:buNone/>
+              <a:defRPr sz="1205" b="1"/>
             </a:lvl3pPr>
-            <a:lvl4pPr marL="1012515" indent="0">
-              <a:buNone/>
-              <a:defRPr sz="1181" b="1"/>
+            <a:lvl4pPr marL="918012" indent="0">
+              <a:buNone/>
+              <a:defRPr sz="1071" b="1"/>
             </a:lvl4pPr>
-            <a:lvl5pPr marL="1350020" indent="0">
-              <a:buNone/>
-              <a:defRPr sz="1181" b="1"/>
+            <a:lvl5pPr marL="1224016" indent="0">
+              <a:buNone/>
+              <a:defRPr sz="1071" b="1"/>
             </a:lvl5pPr>
-            <a:lvl6pPr marL="1687525" indent="0">
-              <a:buNone/>
-              <a:defRPr sz="1181" b="1"/>
+            <a:lvl6pPr marL="1530020" indent="0">
+              <a:buNone/>
+              <a:defRPr sz="1071" b="1"/>
             </a:lvl6pPr>
-            <a:lvl7pPr marL="2025030" indent="0">
-              <a:buNone/>
-              <a:defRPr sz="1181" b="1"/>
+            <a:lvl7pPr marL="1836024" indent="0">
+              <a:buNone/>
+              <a:defRPr sz="1071" b="1"/>
             </a:lvl7pPr>
-            <a:lvl8pPr marL="2362535" indent="0">
-              <a:buNone/>
-              <a:defRPr sz="1181" b="1"/>
+            <a:lvl8pPr marL="2142028" indent="0">
+              <a:buNone/>
+              <a:defRPr sz="1071" b="1"/>
             </a:lvl8pPr>
-            <a:lvl9pPr marL="2700040" indent="0">
-              <a:buNone/>
-              <a:defRPr sz="1181" b="1"/>
+            <a:lvl9pPr marL="2448032" indent="0">
+              <a:buNone/>
+              <a:defRPr sz="1071" b="1"/>
             </a:lvl9pPr>
           </a:lstStyle>
           <a:p>
             <a:pPr lvl="0"/>
             <a:r>
-              <a:rPr lang="en-US"/>
-              <a:t>Click to edit Master text styles</a:t>
+              <a:rPr lang="nl-NL"/>
+              <a:t>Klikken om de tekststijl van het model te bewerken</a:t>
             </a:r>
           </a:p>
         </p:txBody>
@@ -1988,8 +1986,8 @@
         </p:nvSpPr>
         <p:spPr>
           <a:xfrm>
-            <a:off x="4556016" y="2110757"/>
-            <a:ext cx="3825976" cy="3104607"/>
+            <a:off x="3098155" y="2893014"/>
+            <a:ext cx="2601718" cy="4255188"/>
           </a:xfrm>
         </p:spPr>
         <p:txBody>
@@ -1998,36 +1996,36 @@
           <a:p>
             <a:pPr lvl="0"/>
             <a:r>
-              <a:rPr lang="en-US"/>
-              <a:t>Click to edit Master text styles</a:t>
+              <a:rPr lang="nl-NL"/>
+              <a:t>Klikken om de tekststijl van het model te bewerken</a:t>
             </a:r>
           </a:p>
           <a:p>
             <a:pPr lvl="1"/>
             <a:r>
-              <a:rPr lang="en-US"/>
-              <a:t>Second level</a:t>
+              <a:rPr lang="nl-NL"/>
+              <a:t>Tweede niveau</a:t>
             </a:r>
           </a:p>
           <a:p>
             <a:pPr lvl="2"/>
             <a:r>
-              <a:rPr lang="en-US"/>
-              <a:t>Third level</a:t>
+              <a:rPr lang="nl-NL"/>
+              <a:t>Derde niveau</a:t>
             </a:r>
           </a:p>
           <a:p>
             <a:pPr lvl="3"/>
             <a:r>
-              <a:rPr lang="en-US"/>
-              <a:t>Fourth level</a:t>
+              <a:rPr lang="nl-NL"/>
+              <a:t>Vierde niveau</a:t>
             </a:r>
           </a:p>
           <a:p>
             <a:pPr lvl="4"/>
             <a:r>
-              <a:rPr lang="en-US"/>
-              <a:t>Fifth level</a:t>
+              <a:rPr lang="nl-NL"/>
+              <a:t>Vijfde niveau</a:t>
             </a:r>
             <a:endParaRPr lang="en-US" dirty="0"/>
           </a:p>
@@ -2050,7 +2048,7 @@
           <a:p>
             <a:fld id="{82D27196-1245-4BB2-84DD-54A9D6EE0062}" type="datetimeFigureOut">
               <a:rPr lang="en-NL" smtClean="0"/>
-              <a:t>08/30/2020</a:t>
+              <a:t>09/04/2020</a:t>
             </a:fld>
             <a:endParaRPr lang="en-NL"/>
           </a:p>
@@ -2101,7 +2099,7 @@
     </p:spTree>
     <p:extLst>
       <p:ext uri="{BB962C8B-B14F-4D97-AF65-F5344CB8AC3E}">
-        <p14:creationId xmlns:p14="http://schemas.microsoft.com/office/powerpoint/2010/main" val="3562558624"/>
+        <p14:creationId xmlns:p14="http://schemas.microsoft.com/office/powerpoint/2010/main" val="2275776687"/>
       </p:ext>
     </p:extLst>
   </p:cSld>
@@ -2113,7 +2111,7 @@
 
 <file path=ppt/slideLayouts/slideLayout6.xml><?xml version="1.0" encoding="utf-8"?>
 <p:sldLayout xmlns:a="http://schemas.openxmlformats.org/drawingml/2006/main" xmlns:r="http://schemas.openxmlformats.org/officeDocument/2006/relationships" xmlns:p="http://schemas.openxmlformats.org/presentationml/2006/main" type="titleOnly" preserve="1">
-  <p:cSld name="Title Only">
+  <p:cSld name="Alleen titel">
     <p:spTree>
       <p:nvGrpSpPr>
         <p:cNvPr id="1" name=""/>
@@ -2144,8 +2142,8 @@
           <a:lstStyle/>
           <a:p>
             <a:r>
-              <a:rPr lang="en-US"/>
-              <a:t>Click to edit Master title style</a:t>
+              <a:rPr lang="nl-NL"/>
+              <a:t>Klik om stijl te bewerken</a:t>
             </a:r>
             <a:endParaRPr lang="en-US" dirty="0"/>
           </a:p>
@@ -2168,7 +2166,7 @@
           <a:p>
             <a:fld id="{82D27196-1245-4BB2-84DD-54A9D6EE0062}" type="datetimeFigureOut">
               <a:rPr lang="en-NL" smtClean="0"/>
-              <a:t>08/30/2020</a:t>
+              <a:t>09/04/2020</a:t>
             </a:fld>
             <a:endParaRPr lang="en-NL"/>
           </a:p>
@@ -2219,7 +2217,7 @@
     </p:spTree>
     <p:extLst>
       <p:ext uri="{BB962C8B-B14F-4D97-AF65-F5344CB8AC3E}">
-        <p14:creationId xmlns:p14="http://schemas.microsoft.com/office/powerpoint/2010/main" val="3712446421"/>
+        <p14:creationId xmlns:p14="http://schemas.microsoft.com/office/powerpoint/2010/main" val="4045442306"/>
       </p:ext>
     </p:extLst>
   </p:cSld>
@@ -2231,7 +2229,7 @@
 
 <file path=ppt/slideLayouts/slideLayout7.xml><?xml version="1.0" encoding="utf-8"?>
 <p:sldLayout xmlns:a="http://schemas.openxmlformats.org/drawingml/2006/main" xmlns:r="http://schemas.openxmlformats.org/officeDocument/2006/relationships" xmlns:p="http://schemas.openxmlformats.org/presentationml/2006/main" type="blank" preserve="1">
-  <p:cSld name="Blank">
+  <p:cSld name="Leeg">
     <p:spTree>
       <p:nvGrpSpPr>
         <p:cNvPr id="1" name=""/>
@@ -2263,7 +2261,7 @@
           <a:p>
             <a:fld id="{82D27196-1245-4BB2-84DD-54A9D6EE0062}" type="datetimeFigureOut">
               <a:rPr lang="en-NL" smtClean="0"/>
-              <a:t>08/30/2020</a:t>
+              <a:t>09/04/2020</a:t>
             </a:fld>
             <a:endParaRPr lang="en-NL"/>
           </a:p>
@@ -2314,7 +2312,7 @@
     </p:spTree>
     <p:extLst>
       <p:ext uri="{BB962C8B-B14F-4D97-AF65-F5344CB8AC3E}">
-        <p14:creationId xmlns:p14="http://schemas.microsoft.com/office/powerpoint/2010/main" val="2905598476"/>
+        <p14:creationId xmlns:p14="http://schemas.microsoft.com/office/powerpoint/2010/main" val="2912945407"/>
       </p:ext>
     </p:extLst>
   </p:cSld>
@@ -2326,7 +2324,7 @@
 
 <file path=ppt/slideLayouts/slideLayout8.xml><?xml version="1.0" encoding="utf-8"?>
 <p:sldLayout xmlns:a="http://schemas.openxmlformats.org/drawingml/2006/main" xmlns:r="http://schemas.openxmlformats.org/officeDocument/2006/relationships" xmlns:p="http://schemas.openxmlformats.org/presentationml/2006/main" type="objTx" preserve="1">
-  <p:cSld name="Content with Caption">
+  <p:cSld name="Inhoud met bijschrift">
     <p:spTree>
       <p:nvGrpSpPr>
         <p:cNvPr id="1" name=""/>
@@ -2353,21 +2351,21 @@
         </p:nvSpPr>
         <p:spPr>
           <a:xfrm>
-            <a:off x="619891" y="385233"/>
-            <a:ext cx="2902585" cy="1348317"/>
+            <a:off x="421534" y="528002"/>
+            <a:ext cx="1973799" cy="1848009"/>
           </a:xfrm>
         </p:spPr>
         <p:txBody>
           <a:bodyPr anchor="b"/>
           <a:lstStyle>
             <a:lvl1pPr>
-              <a:defRPr sz="2362"/>
+              <a:defRPr sz="2142"/>
             </a:lvl1pPr>
           </a:lstStyle>
           <a:p>
             <a:r>
-              <a:rPr lang="en-US"/>
-              <a:t>Click to edit Master title style</a:t>
+              <a:rPr lang="nl-NL"/>
+              <a:t>Klik om stijl te bewerken</a:t>
             </a:r>
             <a:endParaRPr lang="en-US" dirty="0"/>
           </a:p>
@@ -2385,74 +2383,74 @@
         </p:nvSpPr>
         <p:spPr>
           <a:xfrm>
-            <a:off x="3825976" y="831998"/>
-            <a:ext cx="4556016" cy="4106480"/>
+            <a:off x="2601718" y="1140341"/>
+            <a:ext cx="3098155" cy="5628360"/>
           </a:xfrm>
         </p:spPr>
         <p:txBody>
           <a:bodyPr/>
           <a:lstStyle>
             <a:lvl1pPr>
-              <a:defRPr sz="2362"/>
+              <a:defRPr sz="2142"/>
             </a:lvl1pPr>
             <a:lvl2pPr>
-              <a:defRPr sz="2067"/>
+              <a:defRPr sz="1874"/>
             </a:lvl2pPr>
             <a:lvl3pPr>
-              <a:defRPr sz="1772"/>
+              <a:defRPr sz="1606"/>
             </a:lvl3pPr>
             <a:lvl4pPr>
-              <a:defRPr sz="1476"/>
+              <a:defRPr sz="1339"/>
             </a:lvl4pPr>
             <a:lvl5pPr>
-              <a:defRPr sz="1476"/>
+              <a:defRPr sz="1339"/>
             </a:lvl5pPr>
             <a:lvl6pPr>
-              <a:defRPr sz="1476"/>
+              <a:defRPr sz="1339"/>
             </a:lvl6pPr>
             <a:lvl7pPr>
-              <a:defRPr sz="1476"/>
+              <a:defRPr sz="1339"/>
             </a:lvl7pPr>
             <a:lvl8pPr>
-              <a:defRPr sz="1476"/>
+              <a:defRPr sz="1339"/>
             </a:lvl8pPr>
             <a:lvl9pPr>
-              <a:defRPr sz="1476"/>
+              <a:defRPr sz="1339"/>
             </a:lvl9pPr>
           </a:lstStyle>
           <a:p>
             <a:pPr lvl="0"/>
             <a:r>
-              <a:rPr lang="en-US"/>
-              <a:t>Click to edit Master text styles</a:t>
+              <a:rPr lang="nl-NL"/>
+              <a:t>Klikken om de tekststijl van het model te bewerken</a:t>
             </a:r>
           </a:p>
           <a:p>
             <a:pPr lvl="1"/>
             <a:r>
-              <a:rPr lang="en-US"/>
-              <a:t>Second level</a:t>
+              <a:rPr lang="nl-NL"/>
+              <a:t>Tweede niveau</a:t>
             </a:r>
           </a:p>
           <a:p>
             <a:pPr lvl="2"/>
             <a:r>
-              <a:rPr lang="en-US"/>
-              <a:t>Third level</a:t>
+              <a:rPr lang="nl-NL"/>
+              <a:t>Derde niveau</a:t>
             </a:r>
           </a:p>
           <a:p>
             <a:pPr lvl="3"/>
             <a:r>
-              <a:rPr lang="en-US"/>
-              <a:t>Fourth level</a:t>
+              <a:rPr lang="nl-NL"/>
+              <a:t>Vierde niveau</a:t>
             </a:r>
           </a:p>
           <a:p>
             <a:pPr lvl="4"/>
             <a:r>
-              <a:rPr lang="en-US"/>
-              <a:t>Fifth level</a:t>
+              <a:rPr lang="nl-NL"/>
+              <a:t>Vijfde niveau</a:t>
             </a:r>
             <a:endParaRPr lang="en-US" dirty="0"/>
           </a:p>
@@ -2470,8 +2468,8 @@
         </p:nvSpPr>
         <p:spPr>
           <a:xfrm>
-            <a:off x="619891" y="1733550"/>
-            <a:ext cx="2902585" cy="3211616"/>
+            <a:off x="421534" y="2376011"/>
+            <a:ext cx="1973799" cy="4401855"/>
           </a:xfrm>
         </p:spPr>
         <p:txBody>
@@ -2479,46 +2477,46 @@
           <a:lstStyle>
             <a:lvl1pPr marL="0" indent="0">
               <a:buNone/>
-              <a:defRPr sz="1181"/>
+              <a:defRPr sz="1071"/>
             </a:lvl1pPr>
-            <a:lvl2pPr marL="337505" indent="0">
-              <a:buNone/>
-              <a:defRPr sz="1033"/>
+            <a:lvl2pPr marL="306004" indent="0">
+              <a:buNone/>
+              <a:defRPr sz="937"/>
             </a:lvl2pPr>
-            <a:lvl3pPr marL="675010" indent="0">
-              <a:buNone/>
-              <a:defRPr sz="886"/>
+            <a:lvl3pPr marL="612008" indent="0">
+              <a:buNone/>
+              <a:defRPr sz="803"/>
             </a:lvl3pPr>
-            <a:lvl4pPr marL="1012515" indent="0">
-              <a:buNone/>
-              <a:defRPr sz="738"/>
+            <a:lvl4pPr marL="918012" indent="0">
+              <a:buNone/>
+              <a:defRPr sz="669"/>
             </a:lvl4pPr>
-            <a:lvl5pPr marL="1350020" indent="0">
-              <a:buNone/>
-              <a:defRPr sz="738"/>
+            <a:lvl5pPr marL="1224016" indent="0">
+              <a:buNone/>
+              <a:defRPr sz="669"/>
             </a:lvl5pPr>
-            <a:lvl6pPr marL="1687525" indent="0">
-              <a:buNone/>
-              <a:defRPr sz="738"/>
+            <a:lvl6pPr marL="1530020" indent="0">
+              <a:buNone/>
+              <a:defRPr sz="669"/>
             </a:lvl6pPr>
-            <a:lvl7pPr marL="2025030" indent="0">
-              <a:buNone/>
-              <a:defRPr sz="738"/>
+            <a:lvl7pPr marL="1836024" indent="0">
+              <a:buNone/>
+              <a:defRPr sz="669"/>
             </a:lvl7pPr>
-            <a:lvl8pPr marL="2362535" indent="0">
-              <a:buNone/>
-              <a:defRPr sz="738"/>
+            <a:lvl8pPr marL="2142028" indent="0">
+              <a:buNone/>
+              <a:defRPr sz="669"/>
             </a:lvl8pPr>
-            <a:lvl9pPr marL="2700040" indent="0">
-              <a:buNone/>
-              <a:defRPr sz="738"/>
+            <a:lvl9pPr marL="2448032" indent="0">
+              <a:buNone/>
+              <a:defRPr sz="669"/>
             </a:lvl9pPr>
           </a:lstStyle>
           <a:p>
             <a:pPr lvl="0"/>
             <a:r>
-              <a:rPr lang="en-US"/>
-              <a:t>Click to edit Master text styles</a:t>
+              <a:rPr lang="nl-NL"/>
+              <a:t>Klikken om de tekststijl van het model te bewerken</a:t>
             </a:r>
           </a:p>
         </p:txBody>
@@ -2540,7 +2538,7 @@
           <a:p>
             <a:fld id="{82D27196-1245-4BB2-84DD-54A9D6EE0062}" type="datetimeFigureOut">
               <a:rPr lang="en-NL" smtClean="0"/>
-              <a:t>08/30/2020</a:t>
+              <a:t>09/04/2020</a:t>
             </a:fld>
             <a:endParaRPr lang="en-NL"/>
           </a:p>
@@ -2591,7 +2589,7 @@
     </p:spTree>
     <p:extLst>
       <p:ext uri="{BB962C8B-B14F-4D97-AF65-F5344CB8AC3E}">
-        <p14:creationId xmlns:p14="http://schemas.microsoft.com/office/powerpoint/2010/main" val="1462302976"/>
+        <p14:creationId xmlns:p14="http://schemas.microsoft.com/office/powerpoint/2010/main" val="1959554194"/>
       </p:ext>
     </p:extLst>
   </p:cSld>
@@ -2603,7 +2601,7 @@
 
 <file path=ppt/slideLayouts/slideLayout9.xml><?xml version="1.0" encoding="utf-8"?>
 <p:sldLayout xmlns:a="http://schemas.openxmlformats.org/drawingml/2006/main" xmlns:r="http://schemas.openxmlformats.org/officeDocument/2006/relationships" xmlns:p="http://schemas.openxmlformats.org/presentationml/2006/main" type="picTx" preserve="1">
-  <p:cSld name="Picture with Caption">
+  <p:cSld name="Afbeelding met bijschrift">
     <p:spTree>
       <p:nvGrpSpPr>
         <p:cNvPr id="1" name=""/>
@@ -2630,21 +2628,21 @@
         </p:nvSpPr>
         <p:spPr>
           <a:xfrm>
-            <a:off x="619891" y="385233"/>
-            <a:ext cx="2902585" cy="1348317"/>
+            <a:off x="421534" y="528002"/>
+            <a:ext cx="1973799" cy="1848009"/>
           </a:xfrm>
         </p:spPr>
         <p:txBody>
           <a:bodyPr anchor="b"/>
           <a:lstStyle>
             <a:lvl1pPr>
-              <a:defRPr sz="2362"/>
+              <a:defRPr sz="2142"/>
             </a:lvl1pPr>
           </a:lstStyle>
           <a:p>
             <a:r>
-              <a:rPr lang="en-US"/>
-              <a:t>Click to edit Master title style</a:t>
+              <a:rPr lang="nl-NL"/>
+              <a:t>Klik om stijl te bewerken</a:t>
             </a:r>
             <a:endParaRPr lang="en-US" dirty="0"/>
           </a:p>
@@ -2662,8 +2660,8 @@
         </p:nvSpPr>
         <p:spPr>
           <a:xfrm>
-            <a:off x="3825976" y="831998"/>
-            <a:ext cx="4556016" cy="4106480"/>
+            <a:off x="2601718" y="1140341"/>
+            <a:ext cx="3098155" cy="5628360"/>
           </a:xfrm>
         </p:spPr>
         <p:txBody>
@@ -2671,45 +2669,45 @@
           <a:lstStyle>
             <a:lvl1pPr marL="0" indent="0">
               <a:buNone/>
-              <a:defRPr sz="2362"/>
+              <a:defRPr sz="2142"/>
             </a:lvl1pPr>
-            <a:lvl2pPr marL="337505" indent="0">
-              <a:buNone/>
-              <a:defRPr sz="2067"/>
+            <a:lvl2pPr marL="306004" indent="0">
+              <a:buNone/>
+              <a:defRPr sz="1874"/>
             </a:lvl2pPr>
-            <a:lvl3pPr marL="675010" indent="0">
-              <a:buNone/>
-              <a:defRPr sz="1772"/>
+            <a:lvl3pPr marL="612008" indent="0">
+              <a:buNone/>
+              <a:defRPr sz="1606"/>
             </a:lvl3pPr>
-            <a:lvl4pPr marL="1012515" indent="0">
-              <a:buNone/>
-              <a:defRPr sz="1476"/>
+            <a:lvl4pPr marL="918012" indent="0">
+              <a:buNone/>
+              <a:defRPr sz="1339"/>
             </a:lvl4pPr>
-            <a:lvl5pPr marL="1350020" indent="0">
-              <a:buNone/>
-              <a:defRPr sz="1476"/>
+            <a:lvl5pPr marL="1224016" indent="0">
+              <a:buNone/>
+              <a:defRPr sz="1339"/>
             </a:lvl5pPr>
-            <a:lvl6pPr marL="1687525" indent="0">
-              <a:buNone/>
-              <a:defRPr sz="1476"/>
+            <a:lvl6pPr marL="1530020" indent="0">
+              <a:buNone/>
+              <a:defRPr sz="1339"/>
             </a:lvl6pPr>
-            <a:lvl7pPr marL="2025030" indent="0">
-              <a:buNone/>
-              <a:defRPr sz="1476"/>
+            <a:lvl7pPr marL="1836024" indent="0">
+              <a:buNone/>
+              <a:defRPr sz="1339"/>
             </a:lvl7pPr>
-            <a:lvl8pPr marL="2362535" indent="0">
-              <a:buNone/>
-              <a:defRPr sz="1476"/>
+            <a:lvl8pPr marL="2142028" indent="0">
+              <a:buNone/>
+              <a:defRPr sz="1339"/>
             </a:lvl8pPr>
-            <a:lvl9pPr marL="2700040" indent="0">
-              <a:buNone/>
-              <a:defRPr sz="1476"/>
+            <a:lvl9pPr marL="2448032" indent="0">
+              <a:buNone/>
+              <a:defRPr sz="1339"/>
             </a:lvl9pPr>
           </a:lstStyle>
           <a:p>
             <a:r>
-              <a:rPr lang="en-US"/>
-              <a:t>Click icon to add picture</a:t>
+              <a:rPr lang="nl-NL"/>
+              <a:t>Klik op het pictogram als u een afbeelding wilt toevoegen</a:t>
             </a:r>
             <a:endParaRPr lang="en-US" dirty="0"/>
           </a:p>
@@ -2727,8 +2725,8 @@
         </p:nvSpPr>
         <p:spPr>
           <a:xfrm>
-            <a:off x="619891" y="1733550"/>
-            <a:ext cx="2902585" cy="3211616"/>
+            <a:off x="421534" y="2376011"/>
+            <a:ext cx="1973799" cy="4401855"/>
           </a:xfrm>
         </p:spPr>
         <p:txBody>
@@ -2736,46 +2734,46 @@
           <a:lstStyle>
             <a:lvl1pPr marL="0" indent="0">
               <a:buNone/>
-              <a:defRPr sz="1181"/>
+              <a:defRPr sz="1071"/>
             </a:lvl1pPr>
-            <a:lvl2pPr marL="337505" indent="0">
-              <a:buNone/>
-              <a:defRPr sz="1033"/>
+            <a:lvl2pPr marL="306004" indent="0">
+              <a:buNone/>
+              <a:defRPr sz="937"/>
             </a:lvl2pPr>
-            <a:lvl3pPr marL="675010" indent="0">
-              <a:buNone/>
-              <a:defRPr sz="886"/>
+            <a:lvl3pPr marL="612008" indent="0">
+              <a:buNone/>
+              <a:defRPr sz="803"/>
             </a:lvl3pPr>
-            <a:lvl4pPr marL="1012515" indent="0">
-              <a:buNone/>
-              <a:defRPr sz="738"/>
+            <a:lvl4pPr marL="918012" indent="0">
+              <a:buNone/>
+              <a:defRPr sz="669"/>
             </a:lvl4pPr>
-            <a:lvl5pPr marL="1350020" indent="0">
-              <a:buNone/>
-              <a:defRPr sz="738"/>
+            <a:lvl5pPr marL="1224016" indent="0">
+              <a:buNone/>
+              <a:defRPr sz="669"/>
             </a:lvl5pPr>
-            <a:lvl6pPr marL="1687525" indent="0">
-              <a:buNone/>
-              <a:defRPr sz="738"/>
+            <a:lvl6pPr marL="1530020" indent="0">
+              <a:buNone/>
+              <a:defRPr sz="669"/>
             </a:lvl6pPr>
-            <a:lvl7pPr marL="2025030" indent="0">
-              <a:buNone/>
-              <a:defRPr sz="738"/>
+            <a:lvl7pPr marL="1836024" indent="0">
+              <a:buNone/>
+              <a:defRPr sz="669"/>
             </a:lvl7pPr>
-            <a:lvl8pPr marL="2362535" indent="0">
-              <a:buNone/>
-              <a:defRPr sz="738"/>
+            <a:lvl8pPr marL="2142028" indent="0">
+              <a:buNone/>
+              <a:defRPr sz="669"/>
             </a:lvl8pPr>
-            <a:lvl9pPr marL="2700040" indent="0">
-              <a:buNone/>
-              <a:defRPr sz="738"/>
+            <a:lvl9pPr marL="2448032" indent="0">
+              <a:buNone/>
+              <a:defRPr sz="669"/>
             </a:lvl9pPr>
           </a:lstStyle>
           <a:p>
             <a:pPr lvl="0"/>
             <a:r>
-              <a:rPr lang="en-US"/>
-              <a:t>Click to edit Master text styles</a:t>
+              <a:rPr lang="nl-NL"/>
+              <a:t>Klikken om de tekststijl van het model te bewerken</a:t>
             </a:r>
           </a:p>
         </p:txBody>
@@ -2797,7 +2795,7 @@
           <a:p>
             <a:fld id="{82D27196-1245-4BB2-84DD-54A9D6EE0062}" type="datetimeFigureOut">
               <a:rPr lang="en-NL" smtClean="0"/>
-              <a:t>08/30/2020</a:t>
+              <a:t>09/04/2020</a:t>
             </a:fld>
             <a:endParaRPr lang="en-NL"/>
           </a:p>
@@ -2848,7 +2846,7 @@
     </p:spTree>
     <p:extLst>
       <p:ext uri="{BB962C8B-B14F-4D97-AF65-F5344CB8AC3E}">
-        <p14:creationId xmlns:p14="http://schemas.microsoft.com/office/powerpoint/2010/main" val="1893505567"/>
+        <p14:creationId xmlns:p14="http://schemas.microsoft.com/office/powerpoint/2010/main" val="3527273232"/>
       </p:ext>
     </p:extLst>
   </p:cSld>
@@ -2892,8 +2890,8 @@
         </p:nvSpPr>
         <p:spPr>
           <a:xfrm>
-            <a:off x="618718" y="307652"/>
-            <a:ext cx="7762102" cy="1116910"/>
+            <a:off x="420737" y="421671"/>
+            <a:ext cx="5278339" cy="1530841"/>
           </a:xfrm>
           <a:prstGeom prst="rect">
             <a:avLst/>
@@ -2906,8 +2904,8 @@
           <a:lstStyle/>
           <a:p>
             <a:r>
-              <a:rPr lang="en-US"/>
-              <a:t>Click to edit Master title style</a:t>
+              <a:rPr lang="nl-NL"/>
+              <a:t>Klik om stijl te bewerken</a:t>
             </a:r>
             <a:endParaRPr lang="en-US" dirty="0"/>
           </a:p>
@@ -2925,8 +2923,8 @@
         </p:nvSpPr>
         <p:spPr>
           <a:xfrm>
-            <a:off x="618718" y="1538258"/>
-            <a:ext cx="7762102" cy="3666405"/>
+            <a:off x="420737" y="2108344"/>
+            <a:ext cx="5278339" cy="5025191"/>
           </a:xfrm>
           <a:prstGeom prst="rect">
             <a:avLst/>
@@ -2940,36 +2938,36 @@
           <a:p>
             <a:pPr lvl="0"/>
             <a:r>
-              <a:rPr lang="en-US"/>
-              <a:t>Click to edit Master text styles</a:t>
+              <a:rPr lang="nl-NL"/>
+              <a:t>Klikken om de tekststijl van het model te bewerken</a:t>
             </a:r>
           </a:p>
           <a:p>
             <a:pPr lvl="1"/>
             <a:r>
-              <a:rPr lang="en-US"/>
-              <a:t>Second level</a:t>
+              <a:rPr lang="nl-NL"/>
+              <a:t>Tweede niveau</a:t>
             </a:r>
           </a:p>
           <a:p>
             <a:pPr lvl="2"/>
             <a:r>
-              <a:rPr lang="en-US"/>
-              <a:t>Third level</a:t>
+              <a:rPr lang="nl-NL"/>
+              <a:t>Derde niveau</a:t>
             </a:r>
           </a:p>
           <a:p>
             <a:pPr lvl="3"/>
             <a:r>
-              <a:rPr lang="en-US"/>
-              <a:t>Fourth level</a:t>
+              <a:rPr lang="nl-NL"/>
+              <a:t>Vierde niveau</a:t>
             </a:r>
           </a:p>
           <a:p>
             <a:pPr lvl="4"/>
             <a:r>
-              <a:rPr lang="en-US"/>
-              <a:t>Fifth level</a:t>
+              <a:rPr lang="nl-NL"/>
+              <a:t>Vijfde niveau</a:t>
             </a:r>
             <a:endParaRPr lang="en-US" dirty="0"/>
           </a:p>
@@ -2987,8 +2985,8 @@
         </p:nvSpPr>
         <p:spPr>
           <a:xfrm>
-            <a:off x="618718" y="5355814"/>
-            <a:ext cx="2024896" cy="307652"/>
+            <a:off x="420737" y="7340703"/>
+            <a:ext cx="1376958" cy="421669"/>
           </a:xfrm>
           <a:prstGeom prst="rect">
             <a:avLst/>
@@ -2998,7 +2996,7 @@
           <a:bodyPr vert="horz" lIns="91440" tIns="45720" rIns="91440" bIns="45720" rtlCol="0" anchor="ctr"/>
           <a:lstStyle>
             <a:lvl1pPr algn="l">
-              <a:defRPr sz="886">
+              <a:defRPr sz="803">
                 <a:solidFill>
                   <a:schemeClr val="tx1">
                     <a:tint val="75000"/>
@@ -3010,7 +3008,7 @@
           <a:p>
             <a:fld id="{82D27196-1245-4BB2-84DD-54A9D6EE0062}" type="datetimeFigureOut">
               <a:rPr lang="en-NL" smtClean="0"/>
-              <a:t>08/30/2020</a:t>
+              <a:t>09/04/2020</a:t>
             </a:fld>
             <a:endParaRPr lang="en-NL"/>
           </a:p>
@@ -3028,8 +3026,8 @@
         </p:nvSpPr>
         <p:spPr>
           <a:xfrm>
-            <a:off x="2981097" y="5355814"/>
-            <a:ext cx="3037344" cy="307652"/>
+            <a:off x="2027188" y="7340703"/>
+            <a:ext cx="2065437" cy="421669"/>
           </a:xfrm>
           <a:prstGeom prst="rect">
             <a:avLst/>
@@ -3039,7 +3037,7 @@
           <a:bodyPr vert="horz" lIns="91440" tIns="45720" rIns="91440" bIns="45720" rtlCol="0" anchor="ctr"/>
           <a:lstStyle>
             <a:lvl1pPr algn="ctr">
-              <a:defRPr sz="886">
+              <a:defRPr sz="803">
                 <a:solidFill>
                   <a:schemeClr val="tx1">
                     <a:tint val="75000"/>
@@ -3065,8 +3063,8 @@
         </p:nvSpPr>
         <p:spPr>
           <a:xfrm>
-            <a:off x="6355924" y="5355814"/>
-            <a:ext cx="2024896" cy="307652"/>
+            <a:off x="4322118" y="7340703"/>
+            <a:ext cx="1376958" cy="421669"/>
           </a:xfrm>
           <a:prstGeom prst="rect">
             <a:avLst/>
@@ -3076,7 +3074,7 @@
           <a:bodyPr vert="horz" lIns="91440" tIns="45720" rIns="91440" bIns="45720" rtlCol="0" anchor="ctr"/>
           <a:lstStyle>
             <a:lvl1pPr algn="r">
-              <a:defRPr sz="886">
+              <a:defRPr sz="803">
                 <a:solidFill>
                   <a:schemeClr val="tx1">
                     <a:tint val="75000"/>
@@ -3097,27 +3095,27 @@
     </p:spTree>
     <p:extLst>
       <p:ext uri="{BB962C8B-B14F-4D97-AF65-F5344CB8AC3E}">
-        <p14:creationId xmlns:p14="http://schemas.microsoft.com/office/powerpoint/2010/main" val="4115315453"/>
+        <p14:creationId xmlns:p14="http://schemas.microsoft.com/office/powerpoint/2010/main" val="4039377558"/>
       </p:ext>
     </p:extLst>
   </p:cSld>
   <p:clrMap bg1="lt1" tx1="dk1" bg2="lt2" tx2="dk2" accent1="accent1" accent2="accent2" accent3="accent3" accent4="accent4" accent5="accent5" accent6="accent6" hlink="hlink" folHlink="folHlink"/>
   <p:sldLayoutIdLst>
-    <p:sldLayoutId id="2147483673" r:id="rId1"/>
-    <p:sldLayoutId id="2147483674" r:id="rId2"/>
-    <p:sldLayoutId id="2147483675" r:id="rId3"/>
-    <p:sldLayoutId id="2147483676" r:id="rId4"/>
-    <p:sldLayoutId id="2147483677" r:id="rId5"/>
-    <p:sldLayoutId id="2147483678" r:id="rId6"/>
-    <p:sldLayoutId id="2147483679" r:id="rId7"/>
-    <p:sldLayoutId id="2147483680" r:id="rId8"/>
-    <p:sldLayoutId id="2147483681" r:id="rId9"/>
-    <p:sldLayoutId id="2147483682" r:id="rId10"/>
-    <p:sldLayoutId id="2147483683" r:id="rId11"/>
+    <p:sldLayoutId id="2147483721" r:id="rId1"/>
+    <p:sldLayoutId id="2147483722" r:id="rId2"/>
+    <p:sldLayoutId id="2147483723" r:id="rId3"/>
+    <p:sldLayoutId id="2147483724" r:id="rId4"/>
+    <p:sldLayoutId id="2147483725" r:id="rId5"/>
+    <p:sldLayoutId id="2147483726" r:id="rId6"/>
+    <p:sldLayoutId id="2147483727" r:id="rId7"/>
+    <p:sldLayoutId id="2147483728" r:id="rId8"/>
+    <p:sldLayoutId id="2147483729" r:id="rId9"/>
+    <p:sldLayoutId id="2147483730" r:id="rId10"/>
+    <p:sldLayoutId id="2147483731" r:id="rId11"/>
   </p:sldLayoutIdLst>
   <p:txStyles>
     <p:titleStyle>
-      <a:lvl1pPr algn="l" defTabSz="675010" rtl="0" eaLnBrk="1" latinLnBrk="0" hangingPunct="1">
+      <a:lvl1pPr algn="l" defTabSz="612008" rtl="0" eaLnBrk="1" latinLnBrk="0" hangingPunct="1">
         <a:lnSpc>
           <a:spcPct val="90000"/>
         </a:lnSpc>
@@ -3125,7 +3123,7 @@
           <a:spcPct val="0"/>
         </a:spcBef>
         <a:buNone/>
-        <a:defRPr sz="3248" kern="1200">
+        <a:defRPr sz="2945" kern="1200">
           <a:solidFill>
             <a:schemeClr val="tx1"/>
           </a:solidFill>
@@ -3136,16 +3134,16 @@
       </a:lvl1pPr>
     </p:titleStyle>
     <p:bodyStyle>
-      <a:lvl1pPr marL="168753" indent="-168753" algn="l" defTabSz="675010" rtl="0" eaLnBrk="1" latinLnBrk="0" hangingPunct="1">
+      <a:lvl1pPr marL="153002" indent="-153002" algn="l" defTabSz="612008" rtl="0" eaLnBrk="1" latinLnBrk="0" hangingPunct="1">
         <a:lnSpc>
           <a:spcPct val="90000"/>
         </a:lnSpc>
         <a:spcBef>
-          <a:spcPts val="738"/>
+          <a:spcPts val="669"/>
         </a:spcBef>
         <a:buFont typeface="Arial" panose="020B0604020202020204" pitchFamily="34" charset="0"/>
         <a:buChar char="•"/>
-        <a:defRPr sz="2067" kern="1200">
+        <a:defRPr sz="1874" kern="1200">
           <a:solidFill>
             <a:schemeClr val="tx1"/>
           </a:solidFill>
@@ -3154,16 +3152,16 @@
           <a:cs typeface="+mn-cs"/>
         </a:defRPr>
       </a:lvl1pPr>
-      <a:lvl2pPr marL="506258" indent="-168753" algn="l" defTabSz="675010" rtl="0" eaLnBrk="1" latinLnBrk="0" hangingPunct="1">
+      <a:lvl2pPr marL="459006" indent="-153002" algn="l" defTabSz="612008" rtl="0" eaLnBrk="1" latinLnBrk="0" hangingPunct="1">
         <a:lnSpc>
           <a:spcPct val="90000"/>
         </a:lnSpc>
         <a:spcBef>
-          <a:spcPts val="369"/>
+          <a:spcPts val="335"/>
         </a:spcBef>
         <a:buFont typeface="Arial" panose="020B0604020202020204" pitchFamily="34" charset="0"/>
         <a:buChar char="•"/>
-        <a:defRPr sz="1772" kern="1200">
+        <a:defRPr sz="1606" kern="1200">
           <a:solidFill>
             <a:schemeClr val="tx1"/>
           </a:solidFill>
@@ -3172,16 +3170,16 @@
           <a:cs typeface="+mn-cs"/>
         </a:defRPr>
       </a:lvl2pPr>
-      <a:lvl3pPr marL="843763" indent="-168753" algn="l" defTabSz="675010" rtl="0" eaLnBrk="1" latinLnBrk="0" hangingPunct="1">
+      <a:lvl3pPr marL="765010" indent="-153002" algn="l" defTabSz="612008" rtl="0" eaLnBrk="1" latinLnBrk="0" hangingPunct="1">
         <a:lnSpc>
           <a:spcPct val="90000"/>
         </a:lnSpc>
         <a:spcBef>
-          <a:spcPts val="369"/>
+          <a:spcPts val="335"/>
         </a:spcBef>
         <a:buFont typeface="Arial" panose="020B0604020202020204" pitchFamily="34" charset="0"/>
         <a:buChar char="•"/>
-        <a:defRPr sz="1476" kern="1200">
+        <a:defRPr sz="1339" kern="1200">
           <a:solidFill>
             <a:schemeClr val="tx1"/>
           </a:solidFill>
@@ -3190,16 +3188,16 @@
           <a:cs typeface="+mn-cs"/>
         </a:defRPr>
       </a:lvl3pPr>
-      <a:lvl4pPr marL="1181268" indent="-168753" algn="l" defTabSz="675010" rtl="0" eaLnBrk="1" latinLnBrk="0" hangingPunct="1">
+      <a:lvl4pPr marL="1071014" indent="-153002" algn="l" defTabSz="612008" rtl="0" eaLnBrk="1" latinLnBrk="0" hangingPunct="1">
         <a:lnSpc>
           <a:spcPct val="90000"/>
         </a:lnSpc>
         <a:spcBef>
-          <a:spcPts val="369"/>
+          <a:spcPts val="335"/>
         </a:spcBef>
         <a:buFont typeface="Arial" panose="020B0604020202020204" pitchFamily="34" charset="0"/>
         <a:buChar char="•"/>
-        <a:defRPr sz="1329" kern="1200">
+        <a:defRPr sz="1205" kern="1200">
           <a:solidFill>
             <a:schemeClr val="tx1"/>
           </a:solidFill>
@@ -3208,16 +3206,16 @@
           <a:cs typeface="+mn-cs"/>
         </a:defRPr>
       </a:lvl4pPr>
-      <a:lvl5pPr marL="1518773" indent="-168753" algn="l" defTabSz="675010" rtl="0" eaLnBrk="1" latinLnBrk="0" hangingPunct="1">
+      <a:lvl5pPr marL="1377018" indent="-153002" algn="l" defTabSz="612008" rtl="0" eaLnBrk="1" latinLnBrk="0" hangingPunct="1">
         <a:lnSpc>
           <a:spcPct val="90000"/>
         </a:lnSpc>
         <a:spcBef>
-          <a:spcPts val="369"/>
+          <a:spcPts val="335"/>
         </a:spcBef>
         <a:buFont typeface="Arial" panose="020B0604020202020204" pitchFamily="34" charset="0"/>
         <a:buChar char="•"/>
-        <a:defRPr sz="1329" kern="1200">
+        <a:defRPr sz="1205" kern="1200">
           <a:solidFill>
             <a:schemeClr val="tx1"/>
           </a:solidFill>
@@ -3226,16 +3224,16 @@
           <a:cs typeface="+mn-cs"/>
         </a:defRPr>
       </a:lvl5pPr>
-      <a:lvl6pPr marL="1856278" indent="-168753" algn="l" defTabSz="675010" rtl="0" eaLnBrk="1" latinLnBrk="0" hangingPunct="1">
+      <a:lvl6pPr marL="1683022" indent="-153002" algn="l" defTabSz="612008" rtl="0" eaLnBrk="1" latinLnBrk="0" hangingPunct="1">
         <a:lnSpc>
           <a:spcPct val="90000"/>
         </a:lnSpc>
         <a:spcBef>
-          <a:spcPts val="369"/>
+          <a:spcPts val="335"/>
         </a:spcBef>
         <a:buFont typeface="Arial" panose="020B0604020202020204" pitchFamily="34" charset="0"/>
         <a:buChar char="•"/>
-        <a:defRPr sz="1329" kern="1200">
+        <a:defRPr sz="1205" kern="1200">
           <a:solidFill>
             <a:schemeClr val="tx1"/>
           </a:solidFill>
@@ -3244,16 +3242,16 @@
           <a:cs typeface="+mn-cs"/>
         </a:defRPr>
       </a:lvl6pPr>
-      <a:lvl7pPr marL="2193783" indent="-168753" algn="l" defTabSz="675010" rtl="0" eaLnBrk="1" latinLnBrk="0" hangingPunct="1">
+      <a:lvl7pPr marL="1989026" indent="-153002" algn="l" defTabSz="612008" rtl="0" eaLnBrk="1" latinLnBrk="0" hangingPunct="1">
         <a:lnSpc>
           <a:spcPct val="90000"/>
         </a:lnSpc>
         <a:spcBef>
-          <a:spcPts val="369"/>
+          <a:spcPts val="335"/>
         </a:spcBef>
         <a:buFont typeface="Arial" panose="020B0604020202020204" pitchFamily="34" charset="0"/>
         <a:buChar char="•"/>
-        <a:defRPr sz="1329" kern="1200">
+        <a:defRPr sz="1205" kern="1200">
           <a:solidFill>
             <a:schemeClr val="tx1"/>
           </a:solidFill>
@@ -3262,16 +3260,16 @@
           <a:cs typeface="+mn-cs"/>
         </a:defRPr>
       </a:lvl7pPr>
-      <a:lvl8pPr marL="2531288" indent="-168753" algn="l" defTabSz="675010" rtl="0" eaLnBrk="1" latinLnBrk="0" hangingPunct="1">
+      <a:lvl8pPr marL="2295030" indent="-153002" algn="l" defTabSz="612008" rtl="0" eaLnBrk="1" latinLnBrk="0" hangingPunct="1">
         <a:lnSpc>
           <a:spcPct val="90000"/>
         </a:lnSpc>
         <a:spcBef>
-          <a:spcPts val="369"/>
+          <a:spcPts val="335"/>
         </a:spcBef>
         <a:buFont typeface="Arial" panose="020B0604020202020204" pitchFamily="34" charset="0"/>
         <a:buChar char="•"/>
-        <a:defRPr sz="1329" kern="1200">
+        <a:defRPr sz="1205" kern="1200">
           <a:solidFill>
             <a:schemeClr val="tx1"/>
           </a:solidFill>
@@ -3280,16 +3278,16 @@
           <a:cs typeface="+mn-cs"/>
         </a:defRPr>
       </a:lvl8pPr>
-      <a:lvl9pPr marL="2868793" indent="-168753" algn="l" defTabSz="675010" rtl="0" eaLnBrk="1" latinLnBrk="0" hangingPunct="1">
+      <a:lvl9pPr marL="2601034" indent="-153002" algn="l" defTabSz="612008" rtl="0" eaLnBrk="1" latinLnBrk="0" hangingPunct="1">
         <a:lnSpc>
           <a:spcPct val="90000"/>
         </a:lnSpc>
         <a:spcBef>
-          <a:spcPts val="369"/>
+          <a:spcPts val="335"/>
         </a:spcBef>
         <a:buFont typeface="Arial" panose="020B0604020202020204" pitchFamily="34" charset="0"/>
         <a:buChar char="•"/>
-        <a:defRPr sz="1329" kern="1200">
+        <a:defRPr sz="1205" kern="1200">
           <a:solidFill>
             <a:schemeClr val="tx1"/>
           </a:solidFill>
@@ -3303,8 +3301,8 @@
       <a:defPPr>
         <a:defRPr lang="en-US"/>
       </a:defPPr>
-      <a:lvl1pPr marL="0" algn="l" defTabSz="675010" rtl="0" eaLnBrk="1" latinLnBrk="0" hangingPunct="1">
-        <a:defRPr sz="1329" kern="1200">
+      <a:lvl1pPr marL="0" algn="l" defTabSz="612008" rtl="0" eaLnBrk="1" latinLnBrk="0" hangingPunct="1">
+        <a:defRPr sz="1205" kern="1200">
           <a:solidFill>
             <a:schemeClr val="tx1"/>
           </a:solidFill>
@@ -3313,8 +3311,8 @@
           <a:cs typeface="+mn-cs"/>
         </a:defRPr>
       </a:lvl1pPr>
-      <a:lvl2pPr marL="337505" algn="l" defTabSz="675010" rtl="0" eaLnBrk="1" latinLnBrk="0" hangingPunct="1">
-        <a:defRPr sz="1329" kern="1200">
+      <a:lvl2pPr marL="306004" algn="l" defTabSz="612008" rtl="0" eaLnBrk="1" latinLnBrk="0" hangingPunct="1">
+        <a:defRPr sz="1205" kern="1200">
           <a:solidFill>
             <a:schemeClr val="tx1"/>
           </a:solidFill>
@@ -3323,8 +3321,8 @@
           <a:cs typeface="+mn-cs"/>
         </a:defRPr>
       </a:lvl2pPr>
-      <a:lvl3pPr marL="675010" algn="l" defTabSz="675010" rtl="0" eaLnBrk="1" latinLnBrk="0" hangingPunct="1">
-        <a:defRPr sz="1329" kern="1200">
+      <a:lvl3pPr marL="612008" algn="l" defTabSz="612008" rtl="0" eaLnBrk="1" latinLnBrk="0" hangingPunct="1">
+        <a:defRPr sz="1205" kern="1200">
           <a:solidFill>
             <a:schemeClr val="tx1"/>
           </a:solidFill>
@@ -3333,8 +3331,8 @@
           <a:cs typeface="+mn-cs"/>
         </a:defRPr>
       </a:lvl3pPr>
-      <a:lvl4pPr marL="1012515" algn="l" defTabSz="675010" rtl="0" eaLnBrk="1" latinLnBrk="0" hangingPunct="1">
-        <a:defRPr sz="1329" kern="1200">
+      <a:lvl4pPr marL="918012" algn="l" defTabSz="612008" rtl="0" eaLnBrk="1" latinLnBrk="0" hangingPunct="1">
+        <a:defRPr sz="1205" kern="1200">
           <a:solidFill>
             <a:schemeClr val="tx1"/>
           </a:solidFill>
@@ -3343,8 +3341,8 @@
           <a:cs typeface="+mn-cs"/>
         </a:defRPr>
       </a:lvl4pPr>
-      <a:lvl5pPr marL="1350020" algn="l" defTabSz="675010" rtl="0" eaLnBrk="1" latinLnBrk="0" hangingPunct="1">
-        <a:defRPr sz="1329" kern="1200">
+      <a:lvl5pPr marL="1224016" algn="l" defTabSz="612008" rtl="0" eaLnBrk="1" latinLnBrk="0" hangingPunct="1">
+        <a:defRPr sz="1205" kern="1200">
           <a:solidFill>
             <a:schemeClr val="tx1"/>
           </a:solidFill>
@@ -3353,8 +3351,8 @@
           <a:cs typeface="+mn-cs"/>
         </a:defRPr>
       </a:lvl5pPr>
-      <a:lvl6pPr marL="1687525" algn="l" defTabSz="675010" rtl="0" eaLnBrk="1" latinLnBrk="0" hangingPunct="1">
-        <a:defRPr sz="1329" kern="1200">
+      <a:lvl6pPr marL="1530020" algn="l" defTabSz="612008" rtl="0" eaLnBrk="1" latinLnBrk="0" hangingPunct="1">
+        <a:defRPr sz="1205" kern="1200">
           <a:solidFill>
             <a:schemeClr val="tx1"/>
           </a:solidFill>
@@ -3363,8 +3361,8 @@
           <a:cs typeface="+mn-cs"/>
         </a:defRPr>
       </a:lvl6pPr>
-      <a:lvl7pPr marL="2025030" algn="l" defTabSz="675010" rtl="0" eaLnBrk="1" latinLnBrk="0" hangingPunct="1">
-        <a:defRPr sz="1329" kern="1200">
+      <a:lvl7pPr marL="1836024" algn="l" defTabSz="612008" rtl="0" eaLnBrk="1" latinLnBrk="0" hangingPunct="1">
+        <a:defRPr sz="1205" kern="1200">
           <a:solidFill>
             <a:schemeClr val="tx1"/>
           </a:solidFill>
@@ -3373,8 +3371,8 @@
           <a:cs typeface="+mn-cs"/>
         </a:defRPr>
       </a:lvl7pPr>
-      <a:lvl8pPr marL="2362535" algn="l" defTabSz="675010" rtl="0" eaLnBrk="1" latinLnBrk="0" hangingPunct="1">
-        <a:defRPr sz="1329" kern="1200">
+      <a:lvl8pPr marL="2142028" algn="l" defTabSz="612008" rtl="0" eaLnBrk="1" latinLnBrk="0" hangingPunct="1">
+        <a:defRPr sz="1205" kern="1200">
           <a:solidFill>
             <a:schemeClr val="tx1"/>
           </a:solidFill>
@@ -3383,8 +3381,8 @@
           <a:cs typeface="+mn-cs"/>
         </a:defRPr>
       </a:lvl8pPr>
-      <a:lvl9pPr marL="2700040" algn="l" defTabSz="675010" rtl="0" eaLnBrk="1" latinLnBrk="0" hangingPunct="1">
-        <a:defRPr sz="1329" kern="1200">
+      <a:lvl9pPr marL="2448032" algn="l" defTabSz="612008" rtl="0" eaLnBrk="1" latinLnBrk="0" hangingPunct="1">
+        <a:defRPr sz="1205" kern="1200">
           <a:solidFill>
             <a:schemeClr val="tx1"/>
           </a:solidFill>
@@ -3415,57 +3413,12 @@
           <a:chExt cx="0" cy="0"/>
         </a:xfrm>
       </p:grpSpPr>
-      <p:pic>
-        <p:nvPicPr>
-          <p:cNvPr id="119" name="Picture 4" descr="How to Use ROC Curves and Precision-Recall Curves for ...">
+      <p:sp>
+        <p:nvSpPr>
+          <p:cNvPr id="112" name="Rectangle: Rounded Corners 119">
             <a:extLst>
               <a:ext uri="{FF2B5EF4-FFF2-40B4-BE49-F238E27FC236}">
-                <a16:creationId xmlns:a16="http://schemas.microsoft.com/office/drawing/2014/main" id="{248D48B6-293C-43F9-9AE9-CAEA06316CD4}"/>
-              </a:ext>
-            </a:extLst>
-          </p:cNvPr>
-          <p:cNvPicPr>
-            <a:picLocks noChangeAspect="1" noChangeArrowheads="1"/>
-          </p:cNvPicPr>
-          <p:nvPr/>
-        </p:nvPicPr>
-        <p:blipFill rotWithShape="1">
-          <a:blip r:embed="rId3">
-            <a:extLst>
-              <a:ext uri="{28A0092B-C50C-407E-A947-70E740481C1C}">
-                <a14:useLocalDpi xmlns:a14="http://schemas.microsoft.com/office/drawing/2010/main" val="0"/>
-              </a:ext>
-            </a:extLst>
-          </a:blip>
-          <a:srcRect t="8576" r="7249"/>
-          <a:stretch/>
-        </p:blipFill>
-        <p:spPr bwMode="auto">
-          <a:xfrm>
-            <a:off x="6962322" y="4202672"/>
-            <a:ext cx="1328625" cy="982227"/>
-          </a:xfrm>
-          <a:prstGeom prst="rect">
-            <a:avLst/>
-          </a:prstGeom>
-          <a:noFill/>
-          <a:extLst>
-            <a:ext uri="{909E8E84-426E-40DD-AFC4-6F175D3DCCD1}">
-              <a14:hiddenFill xmlns:a14="http://schemas.microsoft.com/office/drawing/2010/main">
-                <a:solidFill>
-                  <a:srgbClr val="FFFFFF"/>
-                </a:solidFill>
-              </a14:hiddenFill>
-            </a:ext>
-          </a:extLst>
-        </p:spPr>
-      </p:pic>
-      <p:sp>
-        <p:nvSpPr>
-          <p:cNvPr id="120" name="Rectangle: Rounded Corners 119">
-            <a:extLst>
-              <a:ext uri="{FF2B5EF4-FFF2-40B4-BE49-F238E27FC236}">
-                <a16:creationId xmlns:a16="http://schemas.microsoft.com/office/drawing/2014/main" id="{479A0E88-E9F6-4E0C-B659-2F26CFB20DA6}"/>
+                <a16:creationId xmlns:a16="http://schemas.microsoft.com/office/drawing/2014/main" id="{42733C1F-194F-47A0-9C7E-2A8FD19C3630}"/>
               </a:ext>
             </a:extLst>
           </p:cNvPr>
@@ -3474,7 +3427,7 @@
         </p:nvSpPr>
         <p:spPr>
           <a:xfrm rot="5400000">
-            <a:off x="2114793" y="2377909"/>
+            <a:off x="-847938" y="2359402"/>
             <a:ext cx="3665773" cy="366802"/>
           </a:xfrm>
           <a:prstGeom prst="roundRect">
@@ -3539,10 +3492,10 @@
       </p:sp>
       <p:sp>
         <p:nvSpPr>
-          <p:cNvPr id="121" name="Rectangle: Rounded Corners 120">
+          <p:cNvPr id="113" name="Rectangle: Rounded Corners 120">
             <a:extLst>
               <a:ext uri="{FF2B5EF4-FFF2-40B4-BE49-F238E27FC236}">
-                <a16:creationId xmlns:a16="http://schemas.microsoft.com/office/drawing/2014/main" id="{4428ADAF-4E34-4753-9DED-4F65E697B2F6}"/>
+                <a16:creationId xmlns:a16="http://schemas.microsoft.com/office/drawing/2014/main" id="{937797C9-52CB-409F-802F-2E0E08CF10F4}"/>
               </a:ext>
             </a:extLst>
           </p:cNvPr>
@@ -3551,7 +3504,7 @@
         </p:nvSpPr>
         <p:spPr>
           <a:xfrm rot="5400000">
-            <a:off x="3471100" y="4767368"/>
+            <a:off x="508369" y="4748862"/>
             <a:ext cx="949077" cy="366804"/>
           </a:xfrm>
           <a:prstGeom prst="roundRect">
@@ -3621,10 +3574,10 @@
       </p:sp>
       <p:sp>
         <p:nvSpPr>
-          <p:cNvPr id="137" name="Rectangle: Rounded Corners 136">
+          <p:cNvPr id="114" name="Rectangle: Rounded Corners 136">
             <a:extLst>
               <a:ext uri="{FF2B5EF4-FFF2-40B4-BE49-F238E27FC236}">
-                <a16:creationId xmlns:a16="http://schemas.microsoft.com/office/drawing/2014/main" id="{D6C05E81-3098-4607-80F1-30197833EBDB}"/>
+                <a16:creationId xmlns:a16="http://schemas.microsoft.com/office/drawing/2014/main" id="{BCF0454B-53FD-4A54-B90D-41974C10AE31}"/>
               </a:ext>
             </a:extLst>
           </p:cNvPr>
@@ -3633,8 +3586,8 @@
         </p:nvSpPr>
         <p:spPr>
           <a:xfrm>
-            <a:off x="5522343" y="207581"/>
-            <a:ext cx="2149933" cy="354563"/>
+            <a:off x="1764912" y="189074"/>
+            <a:ext cx="3984449" cy="354563"/>
           </a:xfrm>
           <a:prstGeom prst="roundRect">
             <a:avLst/>
@@ -3672,7 +3625,34 @@
                 </a:solidFill>
                 <a:latin typeface="+mj-lt"/>
               </a:rPr>
-              <a:t>Hyperparameter optimization by </a:t>
+              <a:t>Hyperparameter optimization using </a:t>
+            </a:r>
+            <a:r>
+              <a:rPr lang="en-GB" sz="1200" dirty="0" err="1">
+                <a:solidFill>
+                  <a:schemeClr val="tx1"/>
+                </a:solidFill>
+                <a:latin typeface="+mj-lt"/>
+              </a:rPr>
+              <a:t>HyperOpt</a:t>
+            </a:r>
+            <a:endParaRPr lang="en-GB" sz="1200" dirty="0">
+              <a:solidFill>
+                <a:schemeClr val="tx1"/>
+              </a:solidFill>
+              <a:latin typeface="+mj-lt"/>
+            </a:endParaRPr>
+          </a:p>
+          <a:p>
+            <a:pPr algn="ctr"/>
+            <a:r>
+              <a:rPr lang="en-GB" sz="1200" dirty="0">
+                <a:solidFill>
+                  <a:schemeClr val="tx1"/>
+                </a:solidFill>
+                <a:latin typeface="+mj-lt"/>
+              </a:rPr>
+              <a:t>and </a:t>
             </a:r>
             <a:r>
               <a:rPr lang="en-GB" sz="1200" i="1" dirty="0">
@@ -3703,10 +3683,10 @@
       </p:sp>
       <p:grpSp>
         <p:nvGrpSpPr>
-          <p:cNvPr id="138" name="Group 137">
+          <p:cNvPr id="115" name="Group 137">
             <a:extLst>
               <a:ext uri="{FF2B5EF4-FFF2-40B4-BE49-F238E27FC236}">
-                <a16:creationId xmlns:a16="http://schemas.microsoft.com/office/drawing/2014/main" id="{39B90DED-5BC7-4CEA-8362-3939B8C439F5}"/>
+                <a16:creationId xmlns:a16="http://schemas.microsoft.com/office/drawing/2014/main" id="{771AAE2C-DD36-4DA4-ADB2-A5B3A52BFFA1}"/>
               </a:ext>
             </a:extLst>
           </p:cNvPr>
@@ -3715,7 +3695,7 @@
         </p:nvGrpSpPr>
         <p:grpSpPr>
           <a:xfrm>
-            <a:off x="6981122" y="3430919"/>
+            <a:off x="2502531" y="3573347"/>
             <a:ext cx="1130952" cy="491111"/>
             <a:chOff x="8097805" y="3000719"/>
             <a:chExt cx="1130952" cy="491111"/>
@@ -3728,10 +3708,10 @@
         </p:grpSpPr>
         <p:sp>
           <p:nvSpPr>
-            <p:cNvPr id="139" name="Rectangle: Rounded Corners 138">
+            <p:cNvPr id="116" name="Rectangle: Rounded Corners 138">
               <a:extLst>
                 <a:ext uri="{FF2B5EF4-FFF2-40B4-BE49-F238E27FC236}">
-                  <a16:creationId xmlns:a16="http://schemas.microsoft.com/office/drawing/2014/main" id="{847A6FA3-2874-4FDF-AED1-E6D5C9FD7B6C}"/>
+                  <a16:creationId xmlns:a16="http://schemas.microsoft.com/office/drawing/2014/main" id="{D557C996-8125-485D-A17D-04570BA6C57A}"/>
                 </a:ext>
               </a:extLst>
             </p:cNvPr>
@@ -3751,6 +3731,7 @@
               <a:solidFill>
                 <a:schemeClr val="tx1"/>
               </a:solidFill>
+              <a:prstDash val="dash"/>
             </a:ln>
           </p:spPr>
           <p:style>
@@ -3803,10 +3784,10 @@
         </p:sp>
         <p:sp>
           <p:nvSpPr>
-            <p:cNvPr id="140" name="Rectangle: Rounded Corners 139">
+            <p:cNvPr id="117" name="Rectangle: Rounded Corners 139">
               <a:extLst>
                 <a:ext uri="{FF2B5EF4-FFF2-40B4-BE49-F238E27FC236}">
-                  <a16:creationId xmlns:a16="http://schemas.microsoft.com/office/drawing/2014/main" id="{FA21CE6C-7546-49BE-B84E-35AD8B794056}"/>
+                  <a16:creationId xmlns:a16="http://schemas.microsoft.com/office/drawing/2014/main" id="{5D802DFE-6815-415F-BB0D-4781A08562CC}"/>
                 </a:ext>
               </a:extLst>
             </p:cNvPr>
@@ -3878,10 +3859,10 @@
         </p:sp>
         <p:sp>
           <p:nvSpPr>
-            <p:cNvPr id="141" name="Rectangle: Rounded Corners 140">
+            <p:cNvPr id="118" name="Rectangle: Rounded Corners 140">
               <a:extLst>
                 <a:ext uri="{FF2B5EF4-FFF2-40B4-BE49-F238E27FC236}">
-                  <a16:creationId xmlns:a16="http://schemas.microsoft.com/office/drawing/2014/main" id="{BC5494D9-F2D6-4598-B15B-967A2974DC5A}"/>
+                  <a16:creationId xmlns:a16="http://schemas.microsoft.com/office/drawing/2014/main" id="{CB87E345-1792-4815-9080-29F193E84994}"/>
                 </a:ext>
               </a:extLst>
             </p:cNvPr>
@@ -3925,16 +3906,16 @@
             <a:p>
               <a:pPr algn="ctr"/>
               <a:r>
-                <a:rPr lang="en-GB" sz="1200" dirty="0">
+                <a:rPr lang="en-GB" sz="1000" dirty="0">
                   <a:solidFill>
                     <a:schemeClr val="tx1"/>
                   </a:solidFill>
                   <a:latin typeface="+mj-lt"/>
                 </a:rPr>
-                <a:t>Model </a:t>
+                <a:t>Model parameter </a:t>
               </a:r>
               <a:r>
-                <a:rPr lang="en-GB" sz="1200" i="1" dirty="0" err="1">
+                <a:rPr lang="en-GB" sz="1000" i="1" dirty="0" err="1">
                   <a:solidFill>
                     <a:schemeClr val="tx1"/>
                   </a:solidFill>
@@ -3942,7 +3923,7 @@
                 </a:rPr>
                 <a:t>i</a:t>
               </a:r>
-              <a:endParaRPr lang="en-NL" sz="1200" i="1" dirty="0">
+              <a:endParaRPr lang="en-NL" sz="1000" i="1" dirty="0">
                 <a:solidFill>
                   <a:schemeClr val="tx1"/>
                 </a:solidFill>
@@ -3954,10 +3935,10 @@
       </p:grpSp>
       <p:sp>
         <p:nvSpPr>
-          <p:cNvPr id="143" name="AutoShape 2" descr="How to Use ROC Curves and Precision-Recall Curves for ...">
+          <p:cNvPr id="122" name="AutoShape 2" descr="How to Use ROC Curves and Precision-Recall Curves for ...">
             <a:extLst>
               <a:ext uri="{FF2B5EF4-FFF2-40B4-BE49-F238E27FC236}">
-                <a16:creationId xmlns:a16="http://schemas.microsoft.com/office/drawing/2014/main" id="{3F649A6A-738E-4A8F-9E3A-BB1DF0227107}"/>
+                <a16:creationId xmlns:a16="http://schemas.microsoft.com/office/drawing/2014/main" id="{21187157-5482-4D51-A061-048B4CD369F8}"/>
               </a:ext>
             </a:extLst>
           </p:cNvPr>
@@ -3968,7 +3949,7 @@
         </p:nvSpPr>
         <p:spPr bwMode="auto">
           <a:xfrm>
-            <a:off x="4318471" y="3548308"/>
+            <a:off x="1355740" y="3529801"/>
             <a:ext cx="304800" cy="304800"/>
           </a:xfrm>
           <a:prstGeom prst="rect">
@@ -3997,57 +3978,12 @@
           </a:p>
         </p:txBody>
       </p:sp>
-      <p:pic>
-        <p:nvPicPr>
-          <p:cNvPr id="144" name="Picture 4" descr="How to Use ROC Curves and Precision-Recall Curves for ...">
+      <p:cxnSp>
+        <p:nvCxnSpPr>
+          <p:cNvPr id="123" name="Straight Arrow Connector 146">
             <a:extLst>
               <a:ext uri="{FF2B5EF4-FFF2-40B4-BE49-F238E27FC236}">
-                <a16:creationId xmlns:a16="http://schemas.microsoft.com/office/drawing/2014/main" id="{57AC6C5E-426E-4FDB-BD93-D38B7DBBCF43}"/>
-              </a:ext>
-            </a:extLst>
-          </p:cNvPr>
-          <p:cNvPicPr>
-            <a:picLocks noChangeAspect="1" noChangeArrowheads="1"/>
-          </p:cNvPicPr>
-          <p:nvPr/>
-        </p:nvPicPr>
-        <p:blipFill rotWithShape="1">
-          <a:blip r:embed="rId3">
-            <a:extLst>
-              <a:ext uri="{28A0092B-C50C-407E-A947-70E740481C1C}">
-                <a14:useLocalDpi xmlns:a14="http://schemas.microsoft.com/office/drawing/2010/main" val="0"/>
-              </a:ext>
-            </a:extLst>
-          </a:blip>
-          <a:srcRect t="8576" r="7249"/>
-          <a:stretch/>
-        </p:blipFill>
-        <p:spPr bwMode="auto">
-          <a:xfrm>
-            <a:off x="6842951" y="4322198"/>
-            <a:ext cx="1328625" cy="982227"/>
-          </a:xfrm>
-          <a:prstGeom prst="rect">
-            <a:avLst/>
-          </a:prstGeom>
-          <a:noFill/>
-          <a:extLst>
-            <a:ext uri="{909E8E84-426E-40DD-AFC4-6F175D3DCCD1}">
-              <a14:hiddenFill xmlns:a14="http://schemas.microsoft.com/office/drawing/2010/main">
-                <a:solidFill>
-                  <a:srgbClr val="FFFFFF"/>
-                </a:solidFill>
-              </a14:hiddenFill>
-            </a:ext>
-          </a:extLst>
-        </p:spPr>
-      </p:pic>
-      <p:cxnSp>
-        <p:nvCxnSpPr>
-          <p:cNvPr id="147" name="Straight Arrow Connector 146">
-            <a:extLst>
-              <a:ext uri="{FF2B5EF4-FFF2-40B4-BE49-F238E27FC236}">
-                <a16:creationId xmlns:a16="http://schemas.microsoft.com/office/drawing/2014/main" id="{70923F6D-90A7-48E0-954B-AC3D2372E22F}"/>
+                <a16:creationId xmlns:a16="http://schemas.microsoft.com/office/drawing/2014/main" id="{7613E6FF-38D7-4337-9B9F-097B12FB2D34}"/>
               </a:ext>
             </a:extLst>
           </p:cNvPr>
@@ -4058,8 +3994,436 @@
         </p:nvCxnSpPr>
         <p:spPr>
           <a:xfrm>
-            <a:off x="7544072" y="3959649"/>
-            <a:ext cx="0" cy="199171"/>
+            <a:off x="3064416" y="4178689"/>
+            <a:ext cx="0" cy="432000"/>
+          </a:xfrm>
+          <a:prstGeom prst="straightConnector1">
+            <a:avLst/>
+          </a:prstGeom>
+          <a:ln>
+            <a:solidFill>
+              <a:schemeClr val="tx1"/>
+            </a:solidFill>
+            <a:tailEnd type="triangle"/>
+          </a:ln>
+        </p:spPr>
+        <p:style>
+          <a:lnRef idx="1">
+            <a:schemeClr val="accent1"/>
+          </a:lnRef>
+          <a:fillRef idx="0">
+            <a:schemeClr val="accent1"/>
+          </a:fillRef>
+          <a:effectRef idx="0">
+            <a:schemeClr val="accent1"/>
+          </a:effectRef>
+          <a:fontRef idx="minor">
+            <a:schemeClr val="tx1"/>
+          </a:fontRef>
+        </p:style>
+      </p:cxnSp>
+      <p:grpSp>
+        <p:nvGrpSpPr>
+          <p:cNvPr id="124" name="Groep 123">
+            <a:extLst>
+              <a:ext uri="{FF2B5EF4-FFF2-40B4-BE49-F238E27FC236}">
+                <a16:creationId xmlns:a16="http://schemas.microsoft.com/office/drawing/2014/main" id="{CE4ED8DD-6AD9-4143-8D3C-EAF7CB8E67EA}"/>
+              </a:ext>
+            </a:extLst>
+          </p:cNvPr>
+          <p:cNvGrpSpPr/>
+          <p:nvPr/>
+        </p:nvGrpSpPr>
+        <p:grpSpPr>
+          <a:xfrm>
+            <a:off x="4438359" y="3327635"/>
+            <a:ext cx="1159056" cy="986300"/>
+            <a:chOff x="6931446" y="3237199"/>
+            <a:chExt cx="1395204" cy="1111935"/>
+          </a:xfrm>
+        </p:grpSpPr>
+        <p:pic>
+          <p:nvPicPr>
+            <p:cNvPr id="125" name="Picture 4" descr="How to Use ROC Curves and Precision-Recall Curves for ...">
+              <a:extLst>
+                <a:ext uri="{FF2B5EF4-FFF2-40B4-BE49-F238E27FC236}">
+                  <a16:creationId xmlns:a16="http://schemas.microsoft.com/office/drawing/2014/main" id="{50138F93-516F-438E-B0BB-DB9A46625DEE}"/>
+                </a:ext>
+              </a:extLst>
+            </p:cNvPr>
+            <p:cNvPicPr>
+              <a:picLocks noChangeAspect="1" noChangeArrowheads="1"/>
+            </p:cNvPicPr>
+            <p:nvPr/>
+          </p:nvPicPr>
+          <p:blipFill rotWithShape="1">
+            <a:blip r:embed="rId3">
+              <a:extLst>
+                <a:ext uri="{28A0092B-C50C-407E-A947-70E740481C1C}">
+                  <a14:useLocalDpi xmlns:a14="http://schemas.microsoft.com/office/drawing/2010/main" val="0"/>
+                </a:ext>
+              </a:extLst>
+            </a:blip>
+            <a:srcRect t="8576" r="7249"/>
+            <a:stretch/>
+          </p:blipFill>
+          <p:spPr bwMode="auto">
+            <a:xfrm>
+              <a:off x="7170188" y="3237199"/>
+              <a:ext cx="1156462" cy="854950"/>
+            </a:xfrm>
+            <a:prstGeom prst="rect">
+              <a:avLst/>
+            </a:prstGeom>
+            <a:noFill/>
+            <a:extLst>
+              <a:ext uri="{909E8E84-426E-40DD-AFC4-6F175D3DCCD1}">
+                <a14:hiddenFill xmlns:a14="http://schemas.microsoft.com/office/drawing/2010/main">
+                  <a:solidFill>
+                    <a:srgbClr val="FFFFFF"/>
+                  </a:solidFill>
+                </a14:hiddenFill>
+              </a:ext>
+            </a:extLst>
+          </p:spPr>
+        </p:pic>
+        <p:pic>
+          <p:nvPicPr>
+            <p:cNvPr id="126" name="Picture 4" descr="How to Use ROC Curves and Precision-Recall Curves for ...">
+              <a:extLst>
+                <a:ext uri="{FF2B5EF4-FFF2-40B4-BE49-F238E27FC236}">
+                  <a16:creationId xmlns:a16="http://schemas.microsoft.com/office/drawing/2014/main" id="{9370FDF5-4043-42A5-B1E3-4A0E242D83D2}"/>
+                </a:ext>
+              </a:extLst>
+            </p:cNvPr>
+            <p:cNvPicPr>
+              <a:picLocks noChangeAspect="1" noChangeArrowheads="1"/>
+            </p:cNvPicPr>
+            <p:nvPr/>
+          </p:nvPicPr>
+          <p:blipFill rotWithShape="1">
+            <a:blip r:embed="rId3">
+              <a:extLst>
+                <a:ext uri="{28A0092B-C50C-407E-A947-70E740481C1C}">
+                  <a14:useLocalDpi xmlns:a14="http://schemas.microsoft.com/office/drawing/2010/main" val="0"/>
+                </a:ext>
+              </a:extLst>
+            </a:blip>
+            <a:srcRect t="8576" r="7249"/>
+            <a:stretch/>
+          </p:blipFill>
+          <p:spPr bwMode="auto">
+            <a:xfrm>
+              <a:off x="7050817" y="3356725"/>
+              <a:ext cx="1156462" cy="854950"/>
+            </a:xfrm>
+            <a:prstGeom prst="rect">
+              <a:avLst/>
+            </a:prstGeom>
+            <a:noFill/>
+            <a:extLst>
+              <a:ext uri="{909E8E84-426E-40DD-AFC4-6F175D3DCCD1}">
+                <a14:hiddenFill xmlns:a14="http://schemas.microsoft.com/office/drawing/2010/main">
+                  <a:solidFill>
+                    <a:srgbClr val="FFFFFF"/>
+                  </a:solidFill>
+                </a14:hiddenFill>
+              </a:ext>
+            </a:extLst>
+          </p:spPr>
+        </p:pic>
+        <p:pic>
+          <p:nvPicPr>
+            <p:cNvPr id="127" name="Picture 4" descr="How to Use ROC Curves and Precision-Recall Curves for ...">
+              <a:extLst>
+                <a:ext uri="{FF2B5EF4-FFF2-40B4-BE49-F238E27FC236}">
+                  <a16:creationId xmlns:a16="http://schemas.microsoft.com/office/drawing/2014/main" id="{2EEEA812-47EC-4391-9B6D-C35062144823}"/>
+                </a:ext>
+              </a:extLst>
+            </p:cNvPr>
+            <p:cNvPicPr>
+              <a:picLocks noChangeAspect="1" noChangeArrowheads="1"/>
+            </p:cNvPicPr>
+            <p:nvPr/>
+          </p:nvPicPr>
+          <p:blipFill rotWithShape="1">
+            <a:blip r:embed="rId3">
+              <a:extLst>
+                <a:ext uri="{28A0092B-C50C-407E-A947-70E740481C1C}">
+                  <a14:useLocalDpi xmlns:a14="http://schemas.microsoft.com/office/drawing/2010/main" val="0"/>
+                </a:ext>
+              </a:extLst>
+            </a:blip>
+            <a:srcRect t="8576" r="7249"/>
+            <a:stretch/>
+          </p:blipFill>
+          <p:spPr bwMode="auto">
+            <a:xfrm>
+              <a:off x="6931446" y="3494184"/>
+              <a:ext cx="1156462" cy="854950"/>
+            </a:xfrm>
+            <a:prstGeom prst="rect">
+              <a:avLst/>
+            </a:prstGeom>
+            <a:noFill/>
+            <a:extLst>
+              <a:ext uri="{909E8E84-426E-40DD-AFC4-6F175D3DCCD1}">
+                <a14:hiddenFill xmlns:a14="http://schemas.microsoft.com/office/drawing/2010/main">
+                  <a:solidFill>
+                    <a:srgbClr val="FFFFFF"/>
+                  </a:solidFill>
+                </a14:hiddenFill>
+              </a:ext>
+            </a:extLst>
+          </p:spPr>
+        </p:pic>
+      </p:grpSp>
+      <p:sp>
+        <p:nvSpPr>
+          <p:cNvPr id="128" name="Rectangle: Rounded Corners 152">
+            <a:extLst>
+              <a:ext uri="{FF2B5EF4-FFF2-40B4-BE49-F238E27FC236}">
+                <a16:creationId xmlns:a16="http://schemas.microsoft.com/office/drawing/2014/main" id="{6023F9AA-CAC4-4A17-B931-E7E1C9ABAB8C}"/>
+              </a:ext>
+            </a:extLst>
+          </p:cNvPr>
+          <p:cNvSpPr/>
+          <p:nvPr/>
+        </p:nvSpPr>
+        <p:spPr>
+          <a:xfrm>
+            <a:off x="1629821" y="631448"/>
+            <a:ext cx="4197362" cy="3744242"/>
+          </a:xfrm>
+          <a:prstGeom prst="roundRect">
+            <a:avLst>
+              <a:gd name="adj" fmla="val 3723"/>
+            </a:avLst>
+          </a:prstGeom>
+          <a:noFill/>
+          <a:ln w="6350">
+            <a:solidFill>
+              <a:schemeClr val="tx1"/>
+            </a:solidFill>
+            <a:prstDash val="dash"/>
+          </a:ln>
+        </p:spPr>
+        <p:style>
+          <a:lnRef idx="2">
+            <a:schemeClr val="accent1">
+              <a:shade val="50000"/>
+            </a:schemeClr>
+          </a:lnRef>
+          <a:fillRef idx="1">
+            <a:schemeClr val="accent1"/>
+          </a:fillRef>
+          <a:effectRef idx="0">
+            <a:schemeClr val="accent1"/>
+          </a:effectRef>
+          <a:fontRef idx="minor">
+            <a:schemeClr val="lt1"/>
+          </a:fontRef>
+        </p:style>
+        <p:txBody>
+          <a:bodyPr rtlCol="0" anchor="ctr"/>
+          <a:lstStyle/>
+          <a:p>
+            <a:pPr algn="ctr"/>
+            <a:endParaRPr lang="en-NL" sz="1200" dirty="0">
+              <a:solidFill>
+                <a:schemeClr val="tx1"/>
+              </a:solidFill>
+              <a:latin typeface="+mj-lt"/>
+            </a:endParaRPr>
+          </a:p>
+        </p:txBody>
+      </p:sp>
+      <p:sp>
+        <p:nvSpPr>
+          <p:cNvPr id="129" name="Rectangle: Rounded Corners 153">
+            <a:extLst>
+              <a:ext uri="{FF2B5EF4-FFF2-40B4-BE49-F238E27FC236}">
+                <a16:creationId xmlns:a16="http://schemas.microsoft.com/office/drawing/2014/main" id="{672A8847-9277-4054-827D-8DD14CF38339}"/>
+              </a:ext>
+            </a:extLst>
+          </p:cNvPr>
+          <p:cNvSpPr/>
+          <p:nvPr/>
+        </p:nvSpPr>
+        <p:spPr>
+          <a:xfrm>
+            <a:off x="2513351" y="4776464"/>
+            <a:ext cx="1016264" cy="354563"/>
+          </a:xfrm>
+          <a:prstGeom prst="roundRect">
+            <a:avLst/>
+          </a:prstGeom>
+          <a:solidFill>
+            <a:schemeClr val="accent6"/>
+          </a:solidFill>
+          <a:ln w="6350">
+            <a:solidFill>
+              <a:schemeClr val="tx1"/>
+            </a:solidFill>
+          </a:ln>
+        </p:spPr>
+        <p:style>
+          <a:lnRef idx="2">
+            <a:schemeClr val="accent1">
+              <a:shade val="50000"/>
+            </a:schemeClr>
+          </a:lnRef>
+          <a:fillRef idx="1">
+            <a:schemeClr val="accent1"/>
+          </a:fillRef>
+          <a:effectRef idx="0">
+            <a:schemeClr val="accent1"/>
+          </a:effectRef>
+          <a:fontRef idx="minor">
+            <a:schemeClr val="lt1"/>
+          </a:fontRef>
+        </p:style>
+        <p:txBody>
+          <a:bodyPr rtlCol="0" anchor="ctr"/>
+          <a:lstStyle/>
+          <a:p>
+            <a:pPr algn="ctr"/>
+            <a:r>
+              <a:rPr lang="en-GB" sz="1000" dirty="0">
+                <a:solidFill>
+                  <a:schemeClr val="tx1"/>
+                </a:solidFill>
+                <a:latin typeface="+mj-lt"/>
+              </a:rPr>
+              <a:t>Best model</a:t>
+            </a:r>
+          </a:p>
+          <a:p>
+            <a:pPr algn="ctr"/>
+            <a:r>
+              <a:rPr lang="en-GB" sz="1000" dirty="0">
+                <a:solidFill>
+                  <a:schemeClr val="tx1"/>
+                </a:solidFill>
+                <a:latin typeface="+mj-lt"/>
+              </a:rPr>
+              <a:t>parameters</a:t>
+            </a:r>
+            <a:endParaRPr lang="en-NL" sz="1000" i="1" dirty="0">
+              <a:solidFill>
+                <a:schemeClr val="tx1"/>
+              </a:solidFill>
+              <a:latin typeface="+mj-lt"/>
+            </a:endParaRPr>
+          </a:p>
+        </p:txBody>
+      </p:sp>
+      <p:cxnSp>
+        <p:nvCxnSpPr>
+          <p:cNvPr id="130" name="Straight Arrow Connector 154">
+            <a:extLst>
+              <a:ext uri="{FF2B5EF4-FFF2-40B4-BE49-F238E27FC236}">
+                <a16:creationId xmlns:a16="http://schemas.microsoft.com/office/drawing/2014/main" id="{837FBD02-2ED7-48DA-821B-64BD6BDE90E0}"/>
+              </a:ext>
+            </a:extLst>
+          </p:cNvPr>
+          <p:cNvCxnSpPr>
+            <a:cxnSpLocks/>
+          </p:cNvCxnSpPr>
+          <p:nvPr/>
+        </p:nvCxnSpPr>
+        <p:spPr>
+          <a:xfrm flipV="1">
+            <a:off x="3679696" y="4942676"/>
+            <a:ext cx="484948" cy="0"/>
+          </a:xfrm>
+          <a:prstGeom prst="straightConnector1">
+            <a:avLst/>
+          </a:prstGeom>
+          <a:ln>
+            <a:solidFill>
+              <a:schemeClr val="tx1"/>
+            </a:solidFill>
+            <a:tailEnd type="triangle"/>
+          </a:ln>
+        </p:spPr>
+        <p:style>
+          <a:lnRef idx="1">
+            <a:schemeClr val="accent1"/>
+          </a:lnRef>
+          <a:fillRef idx="0">
+            <a:schemeClr val="accent1"/>
+          </a:fillRef>
+          <a:effectRef idx="0">
+            <a:schemeClr val="accent1"/>
+          </a:effectRef>
+          <a:fontRef idx="minor">
+            <a:schemeClr val="tx1"/>
+          </a:fontRef>
+        </p:style>
+      </p:cxnSp>
+      <p:cxnSp>
+        <p:nvCxnSpPr>
+          <p:cNvPr id="131" name="Straight Arrow Connector 159">
+            <a:extLst>
+              <a:ext uri="{FF2B5EF4-FFF2-40B4-BE49-F238E27FC236}">
+                <a16:creationId xmlns:a16="http://schemas.microsoft.com/office/drawing/2014/main" id="{579094DE-AB35-48CC-A2B6-3DE19FA08508}"/>
+              </a:ext>
+            </a:extLst>
+          </p:cNvPr>
+          <p:cNvCxnSpPr>
+            <a:cxnSpLocks/>
+          </p:cNvCxnSpPr>
+          <p:nvPr/>
+        </p:nvCxnSpPr>
+        <p:spPr>
+          <a:xfrm flipV="1">
+            <a:off x="1268026" y="4953745"/>
+            <a:ext cx="1008000" cy="0"/>
+          </a:xfrm>
+          <a:prstGeom prst="straightConnector1">
+            <a:avLst/>
+          </a:prstGeom>
+          <a:ln>
+            <a:solidFill>
+              <a:schemeClr val="tx1"/>
+            </a:solidFill>
+            <a:tailEnd type="triangle"/>
+          </a:ln>
+        </p:spPr>
+        <p:style>
+          <a:lnRef idx="1">
+            <a:schemeClr val="accent1"/>
+          </a:lnRef>
+          <a:fillRef idx="0">
+            <a:schemeClr val="accent1"/>
+          </a:fillRef>
+          <a:effectRef idx="0">
+            <a:schemeClr val="accent1"/>
+          </a:effectRef>
+          <a:fontRef idx="minor">
+            <a:schemeClr val="tx1"/>
+          </a:fontRef>
+        </p:style>
+      </p:cxnSp>
+      <p:cxnSp>
+        <p:nvCxnSpPr>
+          <p:cNvPr id="132" name="Straight Arrow Connector 160">
+            <a:extLst>
+              <a:ext uri="{FF2B5EF4-FFF2-40B4-BE49-F238E27FC236}">
+                <a16:creationId xmlns:a16="http://schemas.microsoft.com/office/drawing/2014/main" id="{E034576E-AC01-49C2-A30A-2CF225F472FE}"/>
+              </a:ext>
+            </a:extLst>
+          </p:cNvPr>
+          <p:cNvCxnSpPr>
+            <a:cxnSpLocks/>
+          </p:cNvCxnSpPr>
+          <p:nvPr/>
+        </p:nvCxnSpPr>
+        <p:spPr>
+          <a:xfrm>
+            <a:off x="1254516" y="2144004"/>
+            <a:ext cx="504000" cy="0"/>
           </a:xfrm>
           <a:prstGeom prst="straightConnector1">
             <a:avLst/>
@@ -4088,317 +4452,10 @@
       </p:cxnSp>
       <p:pic>
         <p:nvPicPr>
-          <p:cNvPr id="148" name="Picture 4" descr="How to Use ROC Curves and Precision-Recall Curves for ...">
+          <p:cNvPr id="133" name="Picture 161" descr="A close up of a map&#10;&#10;Description automatically generated">
             <a:extLst>
               <a:ext uri="{FF2B5EF4-FFF2-40B4-BE49-F238E27FC236}">
-                <a16:creationId xmlns:a16="http://schemas.microsoft.com/office/drawing/2014/main" id="{F4D1EB95-B997-4383-9D41-F363F6111CC5}"/>
-              </a:ext>
-            </a:extLst>
-          </p:cNvPr>
-          <p:cNvPicPr>
-            <a:picLocks noChangeAspect="1" noChangeArrowheads="1"/>
-          </p:cNvPicPr>
-          <p:nvPr/>
-        </p:nvPicPr>
-        <p:blipFill rotWithShape="1">
-          <a:blip r:embed="rId3">
-            <a:extLst>
-              <a:ext uri="{28A0092B-C50C-407E-A947-70E740481C1C}">
-                <a14:useLocalDpi xmlns:a14="http://schemas.microsoft.com/office/drawing/2010/main" val="0"/>
-              </a:ext>
-            </a:extLst>
-          </a:blip>
-          <a:srcRect t="8576" r="7249"/>
-          <a:stretch/>
-        </p:blipFill>
-        <p:spPr bwMode="auto">
-          <a:xfrm>
-            <a:off x="6723580" y="4459657"/>
-            <a:ext cx="1328625" cy="982227"/>
-          </a:xfrm>
-          <a:prstGeom prst="rect">
-            <a:avLst/>
-          </a:prstGeom>
-          <a:noFill/>
-          <a:extLst>
-            <a:ext uri="{909E8E84-426E-40DD-AFC4-6F175D3DCCD1}">
-              <a14:hiddenFill xmlns:a14="http://schemas.microsoft.com/office/drawing/2010/main">
-                <a:solidFill>
-                  <a:srgbClr val="FFFFFF"/>
-                </a:solidFill>
-              </a14:hiddenFill>
-            </a:ext>
-          </a:extLst>
-        </p:spPr>
-      </p:pic>
-      <p:sp>
-        <p:nvSpPr>
-          <p:cNvPr id="153" name="Rectangle: Rounded Corners 152">
-            <a:extLst>
-              <a:ext uri="{FF2B5EF4-FFF2-40B4-BE49-F238E27FC236}">
-                <a16:creationId xmlns:a16="http://schemas.microsoft.com/office/drawing/2014/main" id="{58109DC6-9B91-49BB-A346-4BCADD164F5A}"/>
-              </a:ext>
-            </a:extLst>
-          </p:cNvPr>
-          <p:cNvSpPr/>
-          <p:nvPr/>
-        </p:nvSpPr>
-        <p:spPr>
-          <a:xfrm>
-            <a:off x="4592552" y="649954"/>
-            <a:ext cx="4197362" cy="4920961"/>
-          </a:xfrm>
-          <a:prstGeom prst="roundRect">
-            <a:avLst>
-              <a:gd name="adj" fmla="val 7880"/>
-            </a:avLst>
-          </a:prstGeom>
-          <a:noFill/>
-          <a:ln w="6350">
-            <a:solidFill>
-              <a:schemeClr val="tx1"/>
-            </a:solidFill>
-            <a:prstDash val="dash"/>
-          </a:ln>
-        </p:spPr>
-        <p:style>
-          <a:lnRef idx="2">
-            <a:schemeClr val="accent1">
-              <a:shade val="50000"/>
-            </a:schemeClr>
-          </a:lnRef>
-          <a:fillRef idx="1">
-            <a:schemeClr val="accent1"/>
-          </a:fillRef>
-          <a:effectRef idx="0">
-            <a:schemeClr val="accent1"/>
-          </a:effectRef>
-          <a:fontRef idx="minor">
-            <a:schemeClr val="lt1"/>
-          </a:fontRef>
-        </p:style>
-        <p:txBody>
-          <a:bodyPr rtlCol="0" anchor="ctr"/>
-          <a:lstStyle/>
-          <a:p>
-            <a:pPr algn="ctr"/>
-            <a:endParaRPr lang="en-NL" sz="1200" dirty="0">
-              <a:solidFill>
-                <a:schemeClr val="tx1"/>
-              </a:solidFill>
-              <a:latin typeface="+mj-lt"/>
-            </a:endParaRPr>
-          </a:p>
-        </p:txBody>
-      </p:sp>
-      <p:sp>
-        <p:nvSpPr>
-          <p:cNvPr id="154" name="Rectangle: Rounded Corners 153">
-            <a:extLst>
-              <a:ext uri="{FF2B5EF4-FFF2-40B4-BE49-F238E27FC236}">
-                <a16:creationId xmlns:a16="http://schemas.microsoft.com/office/drawing/2014/main" id="{9805106B-F515-44BC-88A5-5F30B8A8B0D4}"/>
-              </a:ext>
-            </a:extLst>
-          </p:cNvPr>
-          <p:cNvSpPr/>
-          <p:nvPr/>
-        </p:nvSpPr>
-        <p:spPr>
-          <a:xfrm>
-            <a:off x="5033189" y="4745213"/>
-            <a:ext cx="1016264" cy="354563"/>
-          </a:xfrm>
-          <a:prstGeom prst="roundRect">
-            <a:avLst/>
-          </a:prstGeom>
-          <a:solidFill>
-            <a:schemeClr val="bg1">
-              <a:lumMod val="95000"/>
-            </a:schemeClr>
-          </a:solidFill>
-          <a:ln w="6350">
-            <a:solidFill>
-              <a:schemeClr val="tx1"/>
-            </a:solidFill>
-          </a:ln>
-        </p:spPr>
-        <p:style>
-          <a:lnRef idx="2">
-            <a:schemeClr val="accent1">
-              <a:shade val="50000"/>
-            </a:schemeClr>
-          </a:lnRef>
-          <a:fillRef idx="1">
-            <a:schemeClr val="accent1"/>
-          </a:fillRef>
-          <a:effectRef idx="0">
-            <a:schemeClr val="accent1"/>
-          </a:effectRef>
-          <a:fontRef idx="minor">
-            <a:schemeClr val="lt1"/>
-          </a:fontRef>
-        </p:style>
-        <p:txBody>
-          <a:bodyPr rtlCol="0" anchor="ctr"/>
-          <a:lstStyle/>
-          <a:p>
-            <a:pPr algn="ctr"/>
-            <a:r>
-              <a:rPr lang="en-GB" sz="1200" dirty="0">
-                <a:solidFill>
-                  <a:schemeClr val="tx1"/>
-                </a:solidFill>
-                <a:latin typeface="+mj-lt"/>
-              </a:rPr>
-              <a:t>Best Model</a:t>
-            </a:r>
-            <a:endParaRPr lang="en-NL" sz="1200" i="1" dirty="0">
-              <a:solidFill>
-                <a:schemeClr val="tx1"/>
-              </a:solidFill>
-              <a:latin typeface="+mj-lt"/>
-            </a:endParaRPr>
-          </a:p>
-        </p:txBody>
-      </p:sp>
-      <p:cxnSp>
-        <p:nvCxnSpPr>
-          <p:cNvPr id="155" name="Straight Arrow Connector 154">
-            <a:extLst>
-              <a:ext uri="{FF2B5EF4-FFF2-40B4-BE49-F238E27FC236}">
-                <a16:creationId xmlns:a16="http://schemas.microsoft.com/office/drawing/2014/main" id="{25E0FC43-459E-443B-B66A-6EB1657B3779}"/>
-              </a:ext>
-            </a:extLst>
-          </p:cNvPr>
-          <p:cNvCxnSpPr>
-            <a:cxnSpLocks/>
-          </p:cNvCxnSpPr>
-          <p:nvPr/>
-        </p:nvCxnSpPr>
-        <p:spPr>
-          <a:xfrm flipH="1">
-            <a:off x="6113812" y="4922495"/>
-            <a:ext cx="576000" cy="0"/>
-          </a:xfrm>
-          <a:prstGeom prst="straightConnector1">
-            <a:avLst/>
-          </a:prstGeom>
-          <a:ln>
-            <a:solidFill>
-              <a:schemeClr val="tx1"/>
-            </a:solidFill>
-            <a:tailEnd type="triangle"/>
-          </a:ln>
-        </p:spPr>
-        <p:style>
-          <a:lnRef idx="1">
-            <a:schemeClr val="accent1"/>
-          </a:lnRef>
-          <a:fillRef idx="0">
-            <a:schemeClr val="accent1"/>
-          </a:fillRef>
-          <a:effectRef idx="0">
-            <a:schemeClr val="accent1"/>
-          </a:effectRef>
-          <a:fontRef idx="minor">
-            <a:schemeClr val="tx1"/>
-          </a:fontRef>
-        </p:style>
-      </p:cxnSp>
-      <p:cxnSp>
-        <p:nvCxnSpPr>
-          <p:cNvPr id="160" name="Straight Arrow Connector 159">
-            <a:extLst>
-              <a:ext uri="{FF2B5EF4-FFF2-40B4-BE49-F238E27FC236}">
-                <a16:creationId xmlns:a16="http://schemas.microsoft.com/office/drawing/2014/main" id="{8407538E-9BCC-406F-8229-6B7CE26A1A1E}"/>
-              </a:ext>
-            </a:extLst>
-          </p:cNvPr>
-          <p:cNvCxnSpPr>
-            <a:cxnSpLocks/>
-          </p:cNvCxnSpPr>
-          <p:nvPr/>
-        </p:nvCxnSpPr>
-        <p:spPr>
-          <a:xfrm flipH="1">
-            <a:off x="4217247" y="4927721"/>
-            <a:ext cx="648000" cy="0"/>
-          </a:xfrm>
-          <a:prstGeom prst="straightConnector1">
-            <a:avLst/>
-          </a:prstGeom>
-          <a:ln>
-            <a:solidFill>
-              <a:schemeClr val="tx1"/>
-            </a:solidFill>
-            <a:tailEnd type="triangle"/>
-          </a:ln>
-        </p:spPr>
-        <p:style>
-          <a:lnRef idx="1">
-            <a:schemeClr val="accent1"/>
-          </a:lnRef>
-          <a:fillRef idx="0">
-            <a:schemeClr val="accent1"/>
-          </a:fillRef>
-          <a:effectRef idx="0">
-            <a:schemeClr val="accent1"/>
-          </a:effectRef>
-          <a:fontRef idx="minor">
-            <a:schemeClr val="tx1"/>
-          </a:fontRef>
-        </p:style>
-      </p:cxnSp>
-      <p:cxnSp>
-        <p:nvCxnSpPr>
-          <p:cNvPr id="161" name="Straight Arrow Connector 160">
-            <a:extLst>
-              <a:ext uri="{FF2B5EF4-FFF2-40B4-BE49-F238E27FC236}">
-                <a16:creationId xmlns:a16="http://schemas.microsoft.com/office/drawing/2014/main" id="{FE2564E1-C989-4E50-8256-52D1533D846B}"/>
-              </a:ext>
-            </a:extLst>
-          </p:cNvPr>
-          <p:cNvCxnSpPr>
-            <a:cxnSpLocks/>
-          </p:cNvCxnSpPr>
-          <p:nvPr/>
-        </p:nvCxnSpPr>
-        <p:spPr>
-          <a:xfrm>
-            <a:off x="4217247" y="2162511"/>
-            <a:ext cx="468000" cy="0"/>
-          </a:xfrm>
-          <a:prstGeom prst="straightConnector1">
-            <a:avLst/>
-          </a:prstGeom>
-          <a:ln>
-            <a:solidFill>
-              <a:schemeClr val="tx1"/>
-            </a:solidFill>
-            <a:tailEnd type="triangle"/>
-          </a:ln>
-        </p:spPr>
-        <p:style>
-          <a:lnRef idx="1">
-            <a:schemeClr val="accent1"/>
-          </a:lnRef>
-          <a:fillRef idx="0">
-            <a:schemeClr val="accent1"/>
-          </a:fillRef>
-          <a:effectRef idx="0">
-            <a:schemeClr val="accent1"/>
-          </a:effectRef>
-          <a:fontRef idx="minor">
-            <a:schemeClr val="tx1"/>
-          </a:fontRef>
-        </p:style>
-      </p:cxnSp>
-      <p:pic>
-        <p:nvPicPr>
-          <p:cNvPr id="162" name="Picture 161" descr="A close up of a map&#10;&#10;Description automatically generated">
-            <a:extLst>
-              <a:ext uri="{FF2B5EF4-FFF2-40B4-BE49-F238E27FC236}">
-                <a16:creationId xmlns:a16="http://schemas.microsoft.com/office/drawing/2014/main" id="{2805BA35-B0E6-4CF0-BBBB-70AC5406C37E}"/>
+                <a16:creationId xmlns:a16="http://schemas.microsoft.com/office/drawing/2014/main" id="{47024363-0727-4A97-ADA5-0036434E9778}"/>
               </a:ext>
             </a:extLst>
           </p:cNvPr>
@@ -4421,8 +4478,8 @@
         </p:blipFill>
         <p:spPr>
           <a:xfrm>
-            <a:off x="556223" y="4079340"/>
-            <a:ext cx="1990463" cy="1491575"/>
+            <a:off x="4380842" y="4520366"/>
+            <a:ext cx="1121752" cy="840597"/>
           </a:xfrm>
           <a:prstGeom prst="rect">
             <a:avLst/>
@@ -4439,56 +4496,12 @@
           </a:effectLst>
         </p:spPr>
       </p:pic>
-      <p:cxnSp>
-        <p:nvCxnSpPr>
-          <p:cNvPr id="163" name="Straight Arrow Connector 162">
+      <p:sp>
+        <p:nvSpPr>
+          <p:cNvPr id="134" name="Rectangle: Rounded Corners 163">
             <a:extLst>
               <a:ext uri="{FF2B5EF4-FFF2-40B4-BE49-F238E27FC236}">
-                <a16:creationId xmlns:a16="http://schemas.microsoft.com/office/drawing/2014/main" id="{ACFA0079-2379-47D3-AD37-D61C5B89EDF7}"/>
-              </a:ext>
-            </a:extLst>
-          </p:cNvPr>
-          <p:cNvCxnSpPr>
-            <a:cxnSpLocks/>
-          </p:cNvCxnSpPr>
-          <p:nvPr/>
-        </p:nvCxnSpPr>
-        <p:spPr>
-          <a:xfrm flipH="1">
-            <a:off x="2751671" y="4935530"/>
-            <a:ext cx="936000" cy="0"/>
-          </a:xfrm>
-          <a:prstGeom prst="straightConnector1">
-            <a:avLst/>
-          </a:prstGeom>
-          <a:ln>
-            <a:solidFill>
-              <a:schemeClr val="tx1"/>
-            </a:solidFill>
-            <a:tailEnd type="triangle"/>
-          </a:ln>
-        </p:spPr>
-        <p:style>
-          <a:lnRef idx="1">
-            <a:schemeClr val="accent1"/>
-          </a:lnRef>
-          <a:fillRef idx="0">
-            <a:schemeClr val="accent1"/>
-          </a:fillRef>
-          <a:effectRef idx="0">
-            <a:schemeClr val="accent1"/>
-          </a:effectRef>
-          <a:fontRef idx="minor">
-            <a:schemeClr val="tx1"/>
-          </a:fontRef>
-        </p:style>
-      </p:cxnSp>
-      <p:sp>
-        <p:nvSpPr>
-          <p:cNvPr id="164" name="Rectangle: Rounded Corners 163">
-            <a:extLst>
-              <a:ext uri="{FF2B5EF4-FFF2-40B4-BE49-F238E27FC236}">
-                <a16:creationId xmlns:a16="http://schemas.microsoft.com/office/drawing/2014/main" id="{2C64BEFA-066B-48C7-A24C-D1AF61B0C0A3}"/>
+                <a16:creationId xmlns:a16="http://schemas.microsoft.com/office/drawing/2014/main" id="{A10299DD-7391-4E32-BEE4-F9103CAE95B7}"/>
               </a:ext>
             </a:extLst>
           </p:cNvPr>
@@ -4497,8 +4510,8 @@
         </p:nvSpPr>
         <p:spPr>
           <a:xfrm>
-            <a:off x="672888" y="3629040"/>
-            <a:ext cx="1875827" cy="354563"/>
+            <a:off x="1652432" y="4482491"/>
+            <a:ext cx="1299895" cy="354563"/>
           </a:xfrm>
           <a:prstGeom prst="roundRect">
             <a:avLst/>
@@ -4528,9 +4541,8 @@
           <a:bodyPr rtlCol="0" anchor="ctr"/>
           <a:lstStyle/>
           <a:p>
-            <a:pPr algn="ctr"/>
-            <a:r>
-              <a:rPr lang="en-GB" sz="1400" dirty="0">
+            <a:r>
+              <a:rPr lang="en-GB" sz="1000" dirty="0">
                 <a:solidFill>
                   <a:schemeClr val="tx1"/>
                 </a:solidFill>
@@ -4538,7 +4550,7 @@
               </a:rPr>
               <a:t>Performance on validation set</a:t>
             </a:r>
-            <a:endParaRPr lang="en-NL" sz="1400" dirty="0">
+            <a:endParaRPr lang="en-NL" sz="1000" dirty="0">
               <a:solidFill>
                 <a:schemeClr val="tx1"/>
               </a:solidFill>
@@ -4549,10 +4561,10 @@
       </p:sp>
       <p:pic>
         <p:nvPicPr>
-          <p:cNvPr id="3" name="Afbeelding 2">
+          <p:cNvPr id="135" name="Afbeelding 134">
             <a:extLst>
               <a:ext uri="{FF2B5EF4-FFF2-40B4-BE49-F238E27FC236}">
-                <a16:creationId xmlns:a16="http://schemas.microsoft.com/office/drawing/2014/main" id="{77A2AD12-2A7E-4615-9194-A202F6FDC5E9}"/>
+                <a16:creationId xmlns:a16="http://schemas.microsoft.com/office/drawing/2014/main" id="{9CE32B71-61B9-44D8-BD59-859A2D28F62C}"/>
               </a:ext>
             </a:extLst>
           </p:cNvPr>
@@ -4574,7 +4586,7 @@
         </p:blipFill>
         <p:spPr>
           <a:xfrm>
-            <a:off x="4810660" y="728423"/>
+            <a:off x="1847929" y="709916"/>
             <a:ext cx="3815177" cy="2412228"/>
           </a:xfrm>
           <a:prstGeom prst="rect">
@@ -4584,10 +4596,10 @@
       </p:pic>
       <p:sp>
         <p:nvSpPr>
-          <p:cNvPr id="55" name="Rectangle: Rounded Corners 119">
+          <p:cNvPr id="136" name="Rectangle: Rounded Corners 119">
             <a:extLst>
               <a:ext uri="{FF2B5EF4-FFF2-40B4-BE49-F238E27FC236}">
-                <a16:creationId xmlns:a16="http://schemas.microsoft.com/office/drawing/2014/main" id="{CBC1814E-09A7-4756-9090-C054B015E54A}"/>
+                <a16:creationId xmlns:a16="http://schemas.microsoft.com/office/drawing/2014/main" id="{44422FD5-2AB9-4775-947A-B2FEEDD3062F}"/>
               </a:ext>
             </a:extLst>
           </p:cNvPr>
@@ -4596,7 +4608,7 @@
         </p:nvSpPr>
         <p:spPr>
           <a:xfrm rot="5400000">
-            <a:off x="1048837" y="2901752"/>
+            <a:off x="-1913894" y="2883245"/>
             <a:ext cx="4713455" cy="366802"/>
           </a:xfrm>
           <a:prstGeom prst="roundRect">
@@ -4652,10 +4664,10 @@
       </p:sp>
       <p:sp>
         <p:nvSpPr>
-          <p:cNvPr id="56" name="Rectangle: Rounded Corners 136">
+          <p:cNvPr id="142" name="Rectangle: Rounded Corners 136">
             <a:extLst>
               <a:ext uri="{FF2B5EF4-FFF2-40B4-BE49-F238E27FC236}">
-                <a16:creationId xmlns:a16="http://schemas.microsoft.com/office/drawing/2014/main" id="{E163E9F1-828E-4DF3-B3BD-766999D2E705}"/>
+                <a16:creationId xmlns:a16="http://schemas.microsoft.com/office/drawing/2014/main" id="{E3FF96A8-1508-46DE-8008-2CE818A6D50F}"/>
               </a:ext>
             </a:extLst>
           </p:cNvPr>
@@ -4664,8 +4676,8 @@
         </p:nvSpPr>
         <p:spPr>
           <a:xfrm>
-            <a:off x="601738" y="665687"/>
-            <a:ext cx="2149933" cy="354563"/>
+            <a:off x="343297" y="94648"/>
+            <a:ext cx="927450" cy="354563"/>
           </a:xfrm>
           <a:prstGeom prst="roundRect">
             <a:avLst/>
@@ -4714,6 +4726,758 @@
           </a:p>
         </p:txBody>
       </p:sp>
+      <p:sp>
+        <p:nvSpPr>
+          <p:cNvPr id="145" name="Rectangle: Rounded Corners 152">
+            <a:extLst>
+              <a:ext uri="{FF2B5EF4-FFF2-40B4-BE49-F238E27FC236}">
+                <a16:creationId xmlns:a16="http://schemas.microsoft.com/office/drawing/2014/main" id="{622A951D-F5FE-4B49-B64E-96E60535368B}"/>
+              </a:ext>
+            </a:extLst>
+          </p:cNvPr>
+          <p:cNvSpPr/>
+          <p:nvPr/>
+        </p:nvSpPr>
+        <p:spPr>
+          <a:xfrm>
+            <a:off x="1627781" y="4439314"/>
+            <a:ext cx="4197362" cy="996346"/>
+          </a:xfrm>
+          <a:prstGeom prst="roundRect">
+            <a:avLst>
+              <a:gd name="adj" fmla="val 11143"/>
+            </a:avLst>
+          </a:prstGeom>
+          <a:noFill/>
+          <a:ln w="6350">
+            <a:solidFill>
+              <a:schemeClr val="tx1"/>
+            </a:solidFill>
+            <a:prstDash val="dash"/>
+          </a:ln>
+        </p:spPr>
+        <p:style>
+          <a:lnRef idx="2">
+            <a:schemeClr val="accent1">
+              <a:shade val="50000"/>
+            </a:schemeClr>
+          </a:lnRef>
+          <a:fillRef idx="1">
+            <a:schemeClr val="accent1"/>
+          </a:fillRef>
+          <a:effectRef idx="0">
+            <a:schemeClr val="accent1"/>
+          </a:effectRef>
+          <a:fontRef idx="minor">
+            <a:schemeClr val="lt1"/>
+          </a:fontRef>
+        </p:style>
+        <p:txBody>
+          <a:bodyPr rtlCol="0" anchor="ctr"/>
+          <a:lstStyle/>
+          <a:p>
+            <a:pPr algn="ctr"/>
+            <a:endParaRPr lang="en-NL" sz="1200" dirty="0">
+              <a:solidFill>
+                <a:schemeClr val="tx1"/>
+              </a:solidFill>
+              <a:latin typeface="+mj-lt"/>
+            </a:endParaRPr>
+          </a:p>
+        </p:txBody>
+      </p:sp>
+      <p:sp>
+        <p:nvSpPr>
+          <p:cNvPr id="146" name="Rectangle: Rounded Corners 152">
+            <a:extLst>
+              <a:ext uri="{FF2B5EF4-FFF2-40B4-BE49-F238E27FC236}">
+                <a16:creationId xmlns:a16="http://schemas.microsoft.com/office/drawing/2014/main" id="{956CE0BF-C10C-472B-A505-F3D75F57B90C}"/>
+              </a:ext>
+            </a:extLst>
+          </p:cNvPr>
+          <p:cNvSpPr/>
+          <p:nvPr/>
+        </p:nvSpPr>
+        <p:spPr>
+          <a:xfrm>
+            <a:off x="1627781" y="5542200"/>
+            <a:ext cx="4197362" cy="685460"/>
+          </a:xfrm>
+          <a:prstGeom prst="roundRect">
+            <a:avLst>
+              <a:gd name="adj" fmla="val 11143"/>
+            </a:avLst>
+          </a:prstGeom>
+          <a:noFill/>
+          <a:ln w="6350">
+            <a:solidFill>
+              <a:schemeClr val="tx1"/>
+            </a:solidFill>
+            <a:prstDash val="dash"/>
+          </a:ln>
+        </p:spPr>
+        <p:style>
+          <a:lnRef idx="2">
+            <a:schemeClr val="accent1">
+              <a:shade val="50000"/>
+            </a:schemeClr>
+          </a:lnRef>
+          <a:fillRef idx="1">
+            <a:schemeClr val="accent1"/>
+          </a:fillRef>
+          <a:effectRef idx="0">
+            <a:schemeClr val="accent1"/>
+          </a:effectRef>
+          <a:fontRef idx="minor">
+            <a:schemeClr val="lt1"/>
+          </a:fontRef>
+        </p:style>
+        <p:txBody>
+          <a:bodyPr rtlCol="0" anchor="ctr"/>
+          <a:lstStyle/>
+          <a:p>
+            <a:pPr algn="ctr"/>
+            <a:endParaRPr lang="en-NL" sz="1200" dirty="0">
+              <a:solidFill>
+                <a:schemeClr val="tx1"/>
+              </a:solidFill>
+              <a:latin typeface="+mj-lt"/>
+            </a:endParaRPr>
+          </a:p>
+        </p:txBody>
+      </p:sp>
+      <p:cxnSp>
+        <p:nvCxnSpPr>
+          <p:cNvPr id="149" name="Straight Arrow Connector 146">
+            <a:extLst>
+              <a:ext uri="{FF2B5EF4-FFF2-40B4-BE49-F238E27FC236}">
+                <a16:creationId xmlns:a16="http://schemas.microsoft.com/office/drawing/2014/main" id="{FF765F17-48EF-4790-AE08-3EE6F55EC4F3}"/>
+              </a:ext>
+            </a:extLst>
+          </p:cNvPr>
+          <p:cNvCxnSpPr>
+            <a:cxnSpLocks/>
+          </p:cNvCxnSpPr>
+          <p:nvPr/>
+        </p:nvCxnSpPr>
+        <p:spPr>
+          <a:xfrm>
+            <a:off x="3864218" y="3834601"/>
+            <a:ext cx="432000" cy="0"/>
+          </a:xfrm>
+          <a:prstGeom prst="straightConnector1">
+            <a:avLst/>
+          </a:prstGeom>
+          <a:ln>
+            <a:solidFill>
+              <a:schemeClr val="tx1"/>
+            </a:solidFill>
+            <a:headEnd type="triangle" w="med" len="med"/>
+            <a:tailEnd type="triangle" w="med" len="med"/>
+          </a:ln>
+        </p:spPr>
+        <p:style>
+          <a:lnRef idx="1">
+            <a:schemeClr val="accent1"/>
+          </a:lnRef>
+          <a:fillRef idx="0">
+            <a:schemeClr val="accent1"/>
+          </a:fillRef>
+          <a:effectRef idx="0">
+            <a:schemeClr val="accent1"/>
+          </a:effectRef>
+          <a:fontRef idx="minor">
+            <a:schemeClr val="tx1"/>
+          </a:fontRef>
+        </p:style>
+      </p:cxnSp>
+      <p:cxnSp>
+        <p:nvCxnSpPr>
+          <p:cNvPr id="150" name="Straight Arrow Connector 146">
+            <a:extLst>
+              <a:ext uri="{FF2B5EF4-FFF2-40B4-BE49-F238E27FC236}">
+                <a16:creationId xmlns:a16="http://schemas.microsoft.com/office/drawing/2014/main" id="{4FA91274-111F-49C4-8BFC-0B251F6FA892}"/>
+              </a:ext>
+            </a:extLst>
+          </p:cNvPr>
+          <p:cNvCxnSpPr>
+            <a:cxnSpLocks/>
+          </p:cNvCxnSpPr>
+          <p:nvPr/>
+        </p:nvCxnSpPr>
+        <p:spPr>
+          <a:xfrm>
+            <a:off x="3061808" y="5219660"/>
+            <a:ext cx="0" cy="432000"/>
+          </a:xfrm>
+          <a:prstGeom prst="straightConnector1">
+            <a:avLst/>
+          </a:prstGeom>
+          <a:ln>
+            <a:solidFill>
+              <a:schemeClr val="tx1"/>
+            </a:solidFill>
+            <a:tailEnd type="triangle"/>
+          </a:ln>
+        </p:spPr>
+        <p:style>
+          <a:lnRef idx="1">
+            <a:schemeClr val="accent1"/>
+          </a:lnRef>
+          <a:fillRef idx="0">
+            <a:schemeClr val="accent1"/>
+          </a:fillRef>
+          <a:effectRef idx="0">
+            <a:schemeClr val="accent1"/>
+          </a:effectRef>
+          <a:fontRef idx="minor">
+            <a:schemeClr val="tx1"/>
+          </a:fontRef>
+        </p:style>
+      </p:cxnSp>
+      <p:sp>
+        <p:nvSpPr>
+          <p:cNvPr id="151" name="Rechthoek 150">
+            <a:extLst>
+              <a:ext uri="{FF2B5EF4-FFF2-40B4-BE49-F238E27FC236}">
+                <a16:creationId xmlns:a16="http://schemas.microsoft.com/office/drawing/2014/main" id="{CB8B9F00-993C-4ED3-BF99-663ABED72800}"/>
+              </a:ext>
+            </a:extLst>
+          </p:cNvPr>
+          <p:cNvSpPr/>
+          <p:nvPr/>
+        </p:nvSpPr>
+        <p:spPr>
+          <a:xfrm>
+            <a:off x="4770284" y="1885081"/>
+            <a:ext cx="1028003" cy="382065"/>
+          </a:xfrm>
+          <a:prstGeom prst="rect">
+            <a:avLst/>
+          </a:prstGeom>
+          <a:solidFill>
+            <a:schemeClr val="bg1"/>
+          </a:solidFill>
+          <a:ln>
+            <a:noFill/>
+          </a:ln>
+        </p:spPr>
+        <p:style>
+          <a:lnRef idx="2">
+            <a:schemeClr val="accent1">
+              <a:shade val="50000"/>
+            </a:schemeClr>
+          </a:lnRef>
+          <a:fillRef idx="1">
+            <a:schemeClr val="accent1"/>
+          </a:fillRef>
+          <a:effectRef idx="0">
+            <a:schemeClr val="accent1"/>
+          </a:effectRef>
+          <a:fontRef idx="minor">
+            <a:schemeClr val="lt1"/>
+          </a:fontRef>
+        </p:style>
+        <p:txBody>
+          <a:bodyPr rtlCol="0" anchor="ctr"/>
+          <a:lstStyle/>
+          <a:p>
+            <a:pPr algn="ctr"/>
+            <a:r>
+              <a:rPr lang="en-US" sz="1100" dirty="0">
+                <a:solidFill>
+                  <a:schemeClr val="tx1"/>
+                </a:solidFill>
+                <a:latin typeface="+mj-lt"/>
+              </a:rPr>
+              <a:t>Finding parameters</a:t>
+            </a:r>
+            <a:endParaRPr lang="nl-NL" sz="1100" dirty="0">
+              <a:solidFill>
+                <a:schemeClr val="tx1"/>
+              </a:solidFill>
+              <a:latin typeface="+mj-lt"/>
+            </a:endParaRPr>
+          </a:p>
+        </p:txBody>
+      </p:sp>
+      <p:sp>
+        <p:nvSpPr>
+          <p:cNvPr id="152" name="Rectangle: Rounded Corners 153">
+            <a:extLst>
+              <a:ext uri="{FF2B5EF4-FFF2-40B4-BE49-F238E27FC236}">
+                <a16:creationId xmlns:a16="http://schemas.microsoft.com/office/drawing/2014/main" id="{81702D36-CFFE-42E8-9286-8946358B5C2A}"/>
+              </a:ext>
+            </a:extLst>
+          </p:cNvPr>
+          <p:cNvSpPr/>
+          <p:nvPr/>
+        </p:nvSpPr>
+        <p:spPr>
+          <a:xfrm>
+            <a:off x="2502531" y="5729633"/>
+            <a:ext cx="1016264" cy="354563"/>
+          </a:xfrm>
+          <a:prstGeom prst="roundRect">
+            <a:avLst/>
+          </a:prstGeom>
+          <a:solidFill>
+            <a:srgbClr val="7030A0"/>
+          </a:solidFill>
+          <a:ln w="6350">
+            <a:solidFill>
+              <a:schemeClr val="tx1"/>
+            </a:solidFill>
+          </a:ln>
+        </p:spPr>
+        <p:style>
+          <a:lnRef idx="2">
+            <a:schemeClr val="accent1">
+              <a:shade val="50000"/>
+            </a:schemeClr>
+          </a:lnRef>
+          <a:fillRef idx="1">
+            <a:schemeClr val="accent1"/>
+          </a:fillRef>
+          <a:effectRef idx="0">
+            <a:schemeClr val="accent1"/>
+          </a:effectRef>
+          <a:fontRef idx="minor">
+            <a:schemeClr val="lt1"/>
+          </a:fontRef>
+        </p:style>
+        <p:txBody>
+          <a:bodyPr rtlCol="0" anchor="ctr"/>
+          <a:lstStyle/>
+          <a:p>
+            <a:pPr algn="ctr"/>
+            <a:r>
+              <a:rPr lang="en-GB" sz="1000" dirty="0">
+                <a:solidFill>
+                  <a:schemeClr val="bg1"/>
+                </a:solidFill>
+                <a:latin typeface="+mj-lt"/>
+              </a:rPr>
+              <a:t>Fitted model</a:t>
+            </a:r>
+          </a:p>
+        </p:txBody>
+      </p:sp>
+      <p:sp>
+        <p:nvSpPr>
+          <p:cNvPr id="156" name="Rectangle: Rounded Corners 163">
+            <a:extLst>
+              <a:ext uri="{FF2B5EF4-FFF2-40B4-BE49-F238E27FC236}">
+                <a16:creationId xmlns:a16="http://schemas.microsoft.com/office/drawing/2014/main" id="{02FC0020-E0E2-40E1-BFA3-95C55E755783}"/>
+              </a:ext>
+            </a:extLst>
+          </p:cNvPr>
+          <p:cNvSpPr/>
+          <p:nvPr/>
+        </p:nvSpPr>
+        <p:spPr>
+          <a:xfrm>
+            <a:off x="3615786" y="5643472"/>
+            <a:ext cx="1860077" cy="487399"/>
+          </a:xfrm>
+          <a:prstGeom prst="roundRect">
+            <a:avLst/>
+          </a:prstGeom>
+          <a:noFill/>
+          <a:ln w="6350">
+            <a:noFill/>
+          </a:ln>
+        </p:spPr>
+        <p:style>
+          <a:lnRef idx="2">
+            <a:schemeClr val="accent1">
+              <a:shade val="50000"/>
+            </a:schemeClr>
+          </a:lnRef>
+          <a:fillRef idx="1">
+            <a:schemeClr val="accent1"/>
+          </a:fillRef>
+          <a:effectRef idx="0">
+            <a:schemeClr val="accent1"/>
+          </a:effectRef>
+          <a:fontRef idx="minor">
+            <a:schemeClr val="lt1"/>
+          </a:fontRef>
+        </p:style>
+        <p:txBody>
+          <a:bodyPr rtlCol="0" anchor="ctr"/>
+          <a:lstStyle/>
+          <a:p>
+            <a:r>
+              <a:rPr lang="en-GB" sz="1000" dirty="0">
+                <a:solidFill>
+                  <a:schemeClr val="tx1"/>
+                </a:solidFill>
+                <a:latin typeface="+mj-lt"/>
+              </a:rPr>
+              <a:t>Fit model on entire dataset using optimized parameters</a:t>
+            </a:r>
+            <a:endParaRPr lang="en-NL" sz="1000" dirty="0">
+              <a:solidFill>
+                <a:schemeClr val="tx1"/>
+              </a:solidFill>
+              <a:latin typeface="+mj-lt"/>
+            </a:endParaRPr>
+          </a:p>
+        </p:txBody>
+      </p:sp>
+      <p:cxnSp>
+        <p:nvCxnSpPr>
+          <p:cNvPr id="157" name="Verbindingslijn: gebogen 156">
+            <a:extLst>
+              <a:ext uri="{FF2B5EF4-FFF2-40B4-BE49-F238E27FC236}">
+                <a16:creationId xmlns:a16="http://schemas.microsoft.com/office/drawing/2014/main" id="{33B9E2C1-E4FE-4E41-A96F-252DB809C528}"/>
+              </a:ext>
+            </a:extLst>
+          </p:cNvPr>
+          <p:cNvCxnSpPr>
+            <a:cxnSpLocks/>
+            <a:stCxn id="136" idx="3"/>
+            <a:endCxn id="146" idx="1"/>
+          </p:cNvCxnSpPr>
+          <p:nvPr/>
+        </p:nvCxnSpPr>
+        <p:spPr>
+          <a:xfrm rot="16200000" flipH="1">
+            <a:off x="804529" y="5061678"/>
+            <a:ext cx="461556" cy="1184947"/>
+          </a:xfrm>
+          <a:prstGeom prst="bentConnector2">
+            <a:avLst/>
+          </a:prstGeom>
+          <a:ln>
+            <a:tailEnd type="triangle"/>
+          </a:ln>
+        </p:spPr>
+        <p:style>
+          <a:lnRef idx="1">
+            <a:schemeClr val="dk1"/>
+          </a:lnRef>
+          <a:fillRef idx="0">
+            <a:schemeClr val="dk1"/>
+          </a:fillRef>
+          <a:effectRef idx="0">
+            <a:schemeClr val="dk1"/>
+          </a:effectRef>
+          <a:fontRef idx="minor">
+            <a:schemeClr val="tx1"/>
+          </a:fontRef>
+        </p:style>
+      </p:cxnSp>
+      <p:sp>
+        <p:nvSpPr>
+          <p:cNvPr id="158" name="Rectangle: Rounded Corners 152">
+            <a:extLst>
+              <a:ext uri="{FF2B5EF4-FFF2-40B4-BE49-F238E27FC236}">
+                <a16:creationId xmlns:a16="http://schemas.microsoft.com/office/drawing/2014/main" id="{E2CEB21D-4288-42DD-AAA3-707A15282367}"/>
+              </a:ext>
+            </a:extLst>
+          </p:cNvPr>
+          <p:cNvSpPr/>
+          <p:nvPr/>
+        </p:nvSpPr>
+        <p:spPr>
+          <a:xfrm>
+            <a:off x="1627781" y="6328932"/>
+            <a:ext cx="4197362" cy="1326126"/>
+          </a:xfrm>
+          <a:prstGeom prst="roundRect">
+            <a:avLst>
+              <a:gd name="adj" fmla="val 11143"/>
+            </a:avLst>
+          </a:prstGeom>
+          <a:noFill/>
+          <a:ln w="6350">
+            <a:solidFill>
+              <a:schemeClr val="tx1"/>
+            </a:solidFill>
+            <a:prstDash val="dash"/>
+          </a:ln>
+        </p:spPr>
+        <p:style>
+          <a:lnRef idx="2">
+            <a:schemeClr val="accent1">
+              <a:shade val="50000"/>
+            </a:schemeClr>
+          </a:lnRef>
+          <a:fillRef idx="1">
+            <a:schemeClr val="accent1"/>
+          </a:fillRef>
+          <a:effectRef idx="0">
+            <a:schemeClr val="accent1"/>
+          </a:effectRef>
+          <a:fontRef idx="minor">
+            <a:schemeClr val="lt1"/>
+          </a:fontRef>
+        </p:style>
+        <p:txBody>
+          <a:bodyPr rtlCol="0" anchor="ctr"/>
+          <a:lstStyle/>
+          <a:p>
+            <a:pPr algn="ctr"/>
+            <a:endParaRPr lang="en-NL" sz="1200" dirty="0">
+              <a:solidFill>
+                <a:schemeClr val="tx1"/>
+              </a:solidFill>
+              <a:latin typeface="+mj-lt"/>
+            </a:endParaRPr>
+          </a:p>
+        </p:txBody>
+      </p:sp>
+      <p:sp>
+        <p:nvSpPr>
+          <p:cNvPr id="159" name="Rectangle: Rounded Corners 163">
+            <a:extLst>
+              <a:ext uri="{FF2B5EF4-FFF2-40B4-BE49-F238E27FC236}">
+                <a16:creationId xmlns:a16="http://schemas.microsoft.com/office/drawing/2014/main" id="{D5604455-CAB7-4D62-A586-68B89E0B258C}"/>
+              </a:ext>
+            </a:extLst>
+          </p:cNvPr>
+          <p:cNvSpPr/>
+          <p:nvPr/>
+        </p:nvSpPr>
+        <p:spPr>
+          <a:xfrm>
+            <a:off x="1687180" y="6384494"/>
+            <a:ext cx="1860077" cy="231459"/>
+          </a:xfrm>
+          <a:prstGeom prst="roundRect">
+            <a:avLst/>
+          </a:prstGeom>
+          <a:noFill/>
+          <a:ln w="6350">
+            <a:noFill/>
+          </a:ln>
+        </p:spPr>
+        <p:style>
+          <a:lnRef idx="2">
+            <a:schemeClr val="accent1">
+              <a:shade val="50000"/>
+            </a:schemeClr>
+          </a:lnRef>
+          <a:fillRef idx="1">
+            <a:schemeClr val="accent1"/>
+          </a:fillRef>
+          <a:effectRef idx="0">
+            <a:schemeClr val="accent1"/>
+          </a:effectRef>
+          <a:fontRef idx="minor">
+            <a:schemeClr val="lt1"/>
+          </a:fontRef>
+        </p:style>
+        <p:txBody>
+          <a:bodyPr rtlCol="0" anchor="ctr"/>
+          <a:lstStyle/>
+          <a:p>
+            <a:r>
+              <a:rPr lang="en-GB" sz="1000" dirty="0">
+                <a:solidFill>
+                  <a:schemeClr val="tx1"/>
+                </a:solidFill>
+                <a:latin typeface="+mj-lt"/>
+              </a:rPr>
+              <a:t>Analyse results</a:t>
+            </a:r>
+            <a:endParaRPr lang="en-NL" sz="1000" dirty="0">
+              <a:solidFill>
+                <a:schemeClr val="tx1"/>
+              </a:solidFill>
+              <a:latin typeface="+mj-lt"/>
+            </a:endParaRPr>
+          </a:p>
+        </p:txBody>
+      </p:sp>
+      <p:pic>
+        <p:nvPicPr>
+          <p:cNvPr id="1026" name="Picture 2">
+            <a:extLst>
+              <a:ext uri="{FF2B5EF4-FFF2-40B4-BE49-F238E27FC236}">
+                <a16:creationId xmlns:a16="http://schemas.microsoft.com/office/drawing/2014/main" id="{F4E088A3-3A82-496B-9707-EDAB7608408D}"/>
+              </a:ext>
+            </a:extLst>
+          </p:cNvPr>
+          <p:cNvPicPr>
+            <a:picLocks noChangeAspect="1" noChangeArrowheads="1"/>
+          </p:cNvPicPr>
+          <p:nvPr/>
+        </p:nvPicPr>
+        <p:blipFill rotWithShape="1">
+          <a:blip r:embed="rId6">
+            <a:extLst>
+              <a:ext uri="{28A0092B-C50C-407E-A947-70E740481C1C}">
+                <a14:useLocalDpi xmlns:a14="http://schemas.microsoft.com/office/drawing/2010/main" val="0"/>
+              </a:ext>
+            </a:extLst>
+          </a:blip>
+          <a:srcRect r="33341" b="66323"/>
+          <a:stretch/>
+        </p:blipFill>
+        <p:spPr bwMode="auto">
+          <a:xfrm>
+            <a:off x="1644083" y="6687376"/>
+            <a:ext cx="1372726" cy="670310"/>
+          </a:xfrm>
+          <a:prstGeom prst="rect">
+            <a:avLst/>
+          </a:prstGeom>
+          <a:noFill/>
+          <a:extLst>
+            <a:ext uri="{909E8E84-426E-40DD-AFC4-6F175D3DCCD1}">
+              <a14:hiddenFill xmlns:a14="http://schemas.microsoft.com/office/drawing/2010/main">
+                <a:solidFill>
+                  <a:srgbClr val="FFFFFF"/>
+                </a:solidFill>
+              </a14:hiddenFill>
+            </a:ext>
+          </a:extLst>
+        </p:spPr>
+      </p:pic>
+      <p:pic>
+        <p:nvPicPr>
+          <p:cNvPr id="1028" name="Picture 4">
+            <a:extLst>
+              <a:ext uri="{FF2B5EF4-FFF2-40B4-BE49-F238E27FC236}">
+                <a16:creationId xmlns:a16="http://schemas.microsoft.com/office/drawing/2014/main" id="{F4681C6F-230F-42A5-99C1-57A3EFCB5941}"/>
+              </a:ext>
+            </a:extLst>
+          </p:cNvPr>
+          <p:cNvPicPr>
+            <a:picLocks noChangeAspect="1" noChangeArrowheads="1"/>
+          </p:cNvPicPr>
+          <p:nvPr/>
+        </p:nvPicPr>
+        <p:blipFill>
+          <a:blip r:embed="rId7">
+            <a:extLst>
+              <a:ext uri="{28A0092B-C50C-407E-A947-70E740481C1C}">
+                <a14:useLocalDpi xmlns:a14="http://schemas.microsoft.com/office/drawing/2010/main" val="0"/>
+              </a:ext>
+            </a:extLst>
+          </a:blip>
+          <a:srcRect/>
+          <a:stretch>
+            <a:fillRect/>
+          </a:stretch>
+        </p:blipFill>
+        <p:spPr bwMode="auto">
+          <a:xfrm>
+            <a:off x="3081473" y="6497651"/>
+            <a:ext cx="1498188" cy="988688"/>
+          </a:xfrm>
+          <a:prstGeom prst="rect">
+            <a:avLst/>
+          </a:prstGeom>
+          <a:noFill/>
+          <a:extLst>
+            <a:ext uri="{909E8E84-426E-40DD-AFC4-6F175D3DCCD1}">
+              <a14:hiddenFill xmlns:a14="http://schemas.microsoft.com/office/drawing/2010/main">
+                <a:solidFill>
+                  <a:srgbClr val="FFFFFF"/>
+                </a:solidFill>
+              </a14:hiddenFill>
+            </a:ext>
+          </a:extLst>
+        </p:spPr>
+      </p:pic>
+      <p:pic>
+        <p:nvPicPr>
+          <p:cNvPr id="1030" name="Picture 6">
+            <a:extLst>
+              <a:ext uri="{FF2B5EF4-FFF2-40B4-BE49-F238E27FC236}">
+                <a16:creationId xmlns:a16="http://schemas.microsoft.com/office/drawing/2014/main" id="{7A626DE9-1CB6-48D4-960F-B021454ABB6A}"/>
+              </a:ext>
+            </a:extLst>
+          </p:cNvPr>
+          <p:cNvPicPr>
+            <a:picLocks noChangeAspect="1" noChangeArrowheads="1"/>
+          </p:cNvPicPr>
+          <p:nvPr/>
+        </p:nvPicPr>
+        <p:blipFill>
+          <a:blip r:embed="rId8">
+            <a:extLst>
+              <a:ext uri="{28A0092B-C50C-407E-A947-70E740481C1C}">
+                <a14:useLocalDpi xmlns:a14="http://schemas.microsoft.com/office/drawing/2010/main" val="0"/>
+              </a:ext>
+            </a:extLst>
+          </a:blip>
+          <a:srcRect/>
+          <a:stretch>
+            <a:fillRect/>
+          </a:stretch>
+        </p:blipFill>
+        <p:spPr bwMode="auto">
+          <a:xfrm>
+            <a:off x="4602676" y="6384494"/>
+            <a:ext cx="1146685" cy="532740"/>
+          </a:xfrm>
+          <a:prstGeom prst="rect">
+            <a:avLst/>
+          </a:prstGeom>
+          <a:noFill/>
+          <a:extLst>
+            <a:ext uri="{909E8E84-426E-40DD-AFC4-6F175D3DCCD1}">
+              <a14:hiddenFill xmlns:a14="http://schemas.microsoft.com/office/drawing/2010/main">
+                <a:solidFill>
+                  <a:srgbClr val="FFFFFF"/>
+                </a:solidFill>
+              </a14:hiddenFill>
+            </a:ext>
+          </a:extLst>
+        </p:spPr>
+      </p:pic>
+      <p:pic>
+        <p:nvPicPr>
+          <p:cNvPr id="1032" name="Picture 8">
+            <a:extLst>
+              <a:ext uri="{FF2B5EF4-FFF2-40B4-BE49-F238E27FC236}">
+                <a16:creationId xmlns:a16="http://schemas.microsoft.com/office/drawing/2014/main" id="{9CC95FB4-CC73-41B0-B7B8-4CD368B7D889}"/>
+              </a:ext>
+            </a:extLst>
+          </p:cNvPr>
+          <p:cNvPicPr>
+            <a:picLocks noChangeAspect="1" noChangeArrowheads="1"/>
+          </p:cNvPicPr>
+          <p:nvPr/>
+        </p:nvPicPr>
+        <p:blipFill>
+          <a:blip r:embed="rId9">
+            <a:extLst>
+              <a:ext uri="{28A0092B-C50C-407E-A947-70E740481C1C}">
+                <a14:useLocalDpi xmlns:a14="http://schemas.microsoft.com/office/drawing/2010/main" val="0"/>
+              </a:ext>
+            </a:extLst>
+          </a:blip>
+          <a:srcRect/>
+          <a:stretch>
+            <a:fillRect/>
+          </a:stretch>
+        </p:blipFill>
+        <p:spPr bwMode="auto">
+          <a:xfrm>
+            <a:off x="4716218" y="7022531"/>
+            <a:ext cx="913358" cy="522190"/>
+          </a:xfrm>
+          <a:prstGeom prst="rect">
+            <a:avLst/>
+          </a:prstGeom>
+          <a:noFill/>
+          <a:extLst>
+            <a:ext uri="{909E8E84-426E-40DD-AFC4-6F175D3DCCD1}">
+              <a14:hiddenFill xmlns:a14="http://schemas.microsoft.com/office/drawing/2010/main">
+                <a:solidFill>
+                  <a:srgbClr val="FFFFFF"/>
+                </a:solidFill>
+              </a14:hiddenFill>
+            </a:ext>
+          </a:extLst>
+        </p:spPr>
+      </p:pic>
     </p:spTree>
     <p:extLst>
       <p:ext uri="{BB962C8B-B14F-4D97-AF65-F5344CB8AC3E}">
@@ -4730,7 +5494,7 @@
 <file path=ppt/theme/theme1.xml><?xml version="1.0" encoding="utf-8"?>
 <a:theme xmlns:a="http://schemas.openxmlformats.org/drawingml/2006/main" name="Office Theme">
   <a:themeElements>
-    <a:clrScheme name="Office Theme">
+    <a:clrScheme name="Kantoorthema">
       <a:dk1>
         <a:sysClr val="windowText" lastClr="000000"/>
       </a:dk1>
@@ -4768,7 +5532,7 @@
         <a:srgbClr val="954F72"/>
       </a:folHlink>
     </a:clrScheme>
-    <a:fontScheme name="Office Theme">
+    <a:fontScheme name="Kantoorthema">
       <a:majorFont>
         <a:latin typeface="Calibri Light" panose="020F0302020204030204"/>
         <a:ea typeface=""/>
@@ -4840,7 +5604,7 @@
         <a:font script="Geor" typeface="Sylfaen"/>
       </a:minorFont>
     </a:fontScheme>
-    <a:fmtScheme name="Office Theme">
+    <a:fmtScheme name="Kantoorthema">
       <a:fillStyleLst>
         <a:solidFill>
           <a:schemeClr val="phClr"/>

--- a/docs/figs/schematic_overview.pptx
+++ b/docs/figs/schematic_overview.pptx
@@ -197,7 +197,7 @@
           <a:p>
             <a:fld id="{B292C735-45A6-4806-AAF5-FAEAE978D222}" type="datetimeFigureOut">
               <a:rPr lang="en-NL" smtClean="0"/>
-              <a:t>09/04/2020</a:t>
+              <a:t>16/08/2022</a:t>
             </a:fld>
             <a:endParaRPr lang="en-NL"/>
           </a:p>
@@ -356,7 +356,7 @@
           <a:p>
             <a:fld id="{998CA5E1-BA2F-4E63-9A02-0CFBF18651B7}" type="slidenum">
               <a:rPr lang="en-NL" smtClean="0"/>
-              <a:t>‹nr.›</a:t>
+              <a:t>‹#›</a:t>
             </a:fld>
             <a:endParaRPr lang="en-NL"/>
           </a:p>
@@ -685,7 +685,7 @@
           <a:p>
             <a:fld id="{82D27196-1245-4BB2-84DD-54A9D6EE0062}" type="datetimeFigureOut">
               <a:rPr lang="en-NL" smtClean="0"/>
-              <a:t>09/04/2020</a:t>
+              <a:t>16/08/2022</a:t>
             </a:fld>
             <a:endParaRPr lang="en-NL"/>
           </a:p>
@@ -727,7 +727,7 @@
           <a:p>
             <a:fld id="{89098C3C-478C-4B5B-9A76-6ED9481266A3}" type="slidenum">
               <a:rPr lang="en-NL" smtClean="0"/>
-              <a:t>‹nr.›</a:t>
+              <a:t>‹#›</a:t>
             </a:fld>
             <a:endParaRPr lang="en-NL"/>
           </a:p>
@@ -855,7 +855,7 @@
           <a:p>
             <a:fld id="{82D27196-1245-4BB2-84DD-54A9D6EE0062}" type="datetimeFigureOut">
               <a:rPr lang="en-NL" smtClean="0"/>
-              <a:t>09/04/2020</a:t>
+              <a:t>16/08/2022</a:t>
             </a:fld>
             <a:endParaRPr lang="en-NL"/>
           </a:p>
@@ -897,7 +897,7 @@
           <a:p>
             <a:fld id="{89098C3C-478C-4B5B-9A76-6ED9481266A3}" type="slidenum">
               <a:rPr lang="en-NL" smtClean="0"/>
-              <a:t>‹nr.›</a:t>
+              <a:t>‹#›</a:t>
             </a:fld>
             <a:endParaRPr lang="en-NL"/>
           </a:p>
@@ -1035,7 +1035,7 @@
           <a:p>
             <a:fld id="{82D27196-1245-4BB2-84DD-54A9D6EE0062}" type="datetimeFigureOut">
               <a:rPr lang="en-NL" smtClean="0"/>
-              <a:t>09/04/2020</a:t>
+              <a:t>16/08/2022</a:t>
             </a:fld>
             <a:endParaRPr lang="en-NL"/>
           </a:p>
@@ -1077,7 +1077,7 @@
           <a:p>
             <a:fld id="{89098C3C-478C-4B5B-9A76-6ED9481266A3}" type="slidenum">
               <a:rPr lang="en-NL" smtClean="0"/>
-              <a:t>‹nr.›</a:t>
+              <a:t>‹#›</a:t>
             </a:fld>
             <a:endParaRPr lang="en-NL"/>
           </a:p>
@@ -1205,7 +1205,7 @@
           <a:p>
             <a:fld id="{82D27196-1245-4BB2-84DD-54A9D6EE0062}" type="datetimeFigureOut">
               <a:rPr lang="en-NL" smtClean="0"/>
-              <a:t>09/04/2020</a:t>
+              <a:t>16/08/2022</a:t>
             </a:fld>
             <a:endParaRPr lang="en-NL"/>
           </a:p>
@@ -1247,7 +1247,7 @@
           <a:p>
             <a:fld id="{89098C3C-478C-4B5B-9A76-6ED9481266A3}" type="slidenum">
               <a:rPr lang="en-NL" smtClean="0"/>
-              <a:t>‹nr.›</a:t>
+              <a:t>‹#›</a:t>
             </a:fld>
             <a:endParaRPr lang="en-NL"/>
           </a:p>
@@ -1449,7 +1449,7 @@
           <a:p>
             <a:fld id="{82D27196-1245-4BB2-84DD-54A9D6EE0062}" type="datetimeFigureOut">
               <a:rPr lang="en-NL" smtClean="0"/>
-              <a:t>09/04/2020</a:t>
+              <a:t>16/08/2022</a:t>
             </a:fld>
             <a:endParaRPr lang="en-NL"/>
           </a:p>
@@ -1491,7 +1491,7 @@
           <a:p>
             <a:fld id="{89098C3C-478C-4B5B-9A76-6ED9481266A3}" type="slidenum">
               <a:rPr lang="en-NL" smtClean="0"/>
-              <a:t>‹nr.›</a:t>
+              <a:t>‹#›</a:t>
             </a:fld>
             <a:endParaRPr lang="en-NL"/>
           </a:p>
@@ -1681,7 +1681,7 @@
           <a:p>
             <a:fld id="{82D27196-1245-4BB2-84DD-54A9D6EE0062}" type="datetimeFigureOut">
               <a:rPr lang="en-NL" smtClean="0"/>
-              <a:t>09/04/2020</a:t>
+              <a:t>16/08/2022</a:t>
             </a:fld>
             <a:endParaRPr lang="en-NL"/>
           </a:p>
@@ -1723,7 +1723,7 @@
           <a:p>
             <a:fld id="{89098C3C-478C-4B5B-9A76-6ED9481266A3}" type="slidenum">
               <a:rPr lang="en-NL" smtClean="0"/>
-              <a:t>‹nr.›</a:t>
+              <a:t>‹#›</a:t>
             </a:fld>
             <a:endParaRPr lang="en-NL"/>
           </a:p>
@@ -2048,7 +2048,7 @@
           <a:p>
             <a:fld id="{82D27196-1245-4BB2-84DD-54A9D6EE0062}" type="datetimeFigureOut">
               <a:rPr lang="en-NL" smtClean="0"/>
-              <a:t>09/04/2020</a:t>
+              <a:t>16/08/2022</a:t>
             </a:fld>
             <a:endParaRPr lang="en-NL"/>
           </a:p>
@@ -2090,7 +2090,7 @@
           <a:p>
             <a:fld id="{89098C3C-478C-4B5B-9A76-6ED9481266A3}" type="slidenum">
               <a:rPr lang="en-NL" smtClean="0"/>
-              <a:t>‹nr.›</a:t>
+              <a:t>‹#›</a:t>
             </a:fld>
             <a:endParaRPr lang="en-NL"/>
           </a:p>
@@ -2166,7 +2166,7 @@
           <a:p>
             <a:fld id="{82D27196-1245-4BB2-84DD-54A9D6EE0062}" type="datetimeFigureOut">
               <a:rPr lang="en-NL" smtClean="0"/>
-              <a:t>09/04/2020</a:t>
+              <a:t>16/08/2022</a:t>
             </a:fld>
             <a:endParaRPr lang="en-NL"/>
           </a:p>
@@ -2208,7 +2208,7 @@
           <a:p>
             <a:fld id="{89098C3C-478C-4B5B-9A76-6ED9481266A3}" type="slidenum">
               <a:rPr lang="en-NL" smtClean="0"/>
-              <a:t>‹nr.›</a:t>
+              <a:t>‹#›</a:t>
             </a:fld>
             <a:endParaRPr lang="en-NL"/>
           </a:p>
@@ -2261,7 +2261,7 @@
           <a:p>
             <a:fld id="{82D27196-1245-4BB2-84DD-54A9D6EE0062}" type="datetimeFigureOut">
               <a:rPr lang="en-NL" smtClean="0"/>
-              <a:t>09/04/2020</a:t>
+              <a:t>16/08/2022</a:t>
             </a:fld>
             <a:endParaRPr lang="en-NL"/>
           </a:p>
@@ -2303,7 +2303,7 @@
           <a:p>
             <a:fld id="{89098C3C-478C-4B5B-9A76-6ED9481266A3}" type="slidenum">
               <a:rPr lang="en-NL" smtClean="0"/>
-              <a:t>‹nr.›</a:t>
+              <a:t>‹#›</a:t>
             </a:fld>
             <a:endParaRPr lang="en-NL"/>
           </a:p>
@@ -2538,7 +2538,7 @@
           <a:p>
             <a:fld id="{82D27196-1245-4BB2-84DD-54A9D6EE0062}" type="datetimeFigureOut">
               <a:rPr lang="en-NL" smtClean="0"/>
-              <a:t>09/04/2020</a:t>
+              <a:t>16/08/2022</a:t>
             </a:fld>
             <a:endParaRPr lang="en-NL"/>
           </a:p>
@@ -2580,7 +2580,7 @@
           <a:p>
             <a:fld id="{89098C3C-478C-4B5B-9A76-6ED9481266A3}" type="slidenum">
               <a:rPr lang="en-NL" smtClean="0"/>
-              <a:t>‹nr.›</a:t>
+              <a:t>‹#›</a:t>
             </a:fld>
             <a:endParaRPr lang="en-NL"/>
           </a:p>
@@ -2795,7 +2795,7 @@
           <a:p>
             <a:fld id="{82D27196-1245-4BB2-84DD-54A9D6EE0062}" type="datetimeFigureOut">
               <a:rPr lang="en-NL" smtClean="0"/>
-              <a:t>09/04/2020</a:t>
+              <a:t>16/08/2022</a:t>
             </a:fld>
             <a:endParaRPr lang="en-NL"/>
           </a:p>
@@ -2837,7 +2837,7 @@
           <a:p>
             <a:fld id="{89098C3C-478C-4B5B-9A76-6ED9481266A3}" type="slidenum">
               <a:rPr lang="en-NL" smtClean="0"/>
-              <a:t>‹nr.›</a:t>
+              <a:t>‹#›</a:t>
             </a:fld>
             <a:endParaRPr lang="en-NL"/>
           </a:p>
@@ -3008,7 +3008,7 @@
           <a:p>
             <a:fld id="{82D27196-1245-4BB2-84DD-54A9D6EE0062}" type="datetimeFigureOut">
               <a:rPr lang="en-NL" smtClean="0"/>
-              <a:t>09/04/2020</a:t>
+              <a:t>16/08/2022</a:t>
             </a:fld>
             <a:endParaRPr lang="en-NL"/>
           </a:p>
@@ -3086,7 +3086,7 @@
           <a:p>
             <a:fld id="{89098C3C-478C-4B5B-9A76-6ED9481266A3}" type="slidenum">
               <a:rPr lang="en-NL" smtClean="0"/>
-              <a:t>‹nr.›</a:t>
+              <a:t>‹#›</a:t>
             </a:fld>
             <a:endParaRPr lang="en-NL"/>
           </a:p>
@@ -3427,8 +3427,8 @@
         </p:nvSpPr>
         <p:spPr>
           <a:xfrm rot="5400000">
-            <a:off x="-847938" y="2359402"/>
-            <a:ext cx="3665773" cy="366802"/>
+            <a:off x="-847690" y="2359156"/>
+            <a:ext cx="3665277" cy="366802"/>
           </a:xfrm>
           <a:prstGeom prst="roundRect">
             <a:avLst/>
@@ -3470,7 +3470,7 @@
                 </a:solidFill>
                 <a:latin typeface="+mj-lt"/>
               </a:rPr>
-              <a:t>Trainset </a:t>
+              <a:t>Train and test set </a:t>
             </a:r>
             <a:r>
               <a:rPr lang="en-GB" sz="900" dirty="0">
@@ -3543,19 +3543,19 @@
           <a:p>
             <a:pPr algn="ctr"/>
             <a:r>
-              <a:rPr lang="en-GB" sz="1200" dirty="0">
+              <a:rPr lang="en-GB" sz="1000" dirty="0">
                 <a:solidFill>
                   <a:schemeClr val="tx1"/>
                 </a:solidFill>
                 <a:latin typeface="+mj-lt"/>
               </a:rPr>
-              <a:t>Validation</a:t>
+              <a:t>Validation set </a:t>
             </a:r>
           </a:p>
           <a:p>
             <a:pPr algn="ctr"/>
             <a:r>
-              <a:rPr lang="en-GB" sz="900" dirty="0">
+              <a:rPr lang="en-GB" sz="800" dirty="0">
                 <a:solidFill>
                   <a:schemeClr val="tx1"/>
                 </a:solidFill>
@@ -3563,7 +3563,7 @@
               </a:rPr>
               <a:t>(20%)</a:t>
             </a:r>
-            <a:endParaRPr lang="en-NL" sz="1200" dirty="0">
+            <a:endParaRPr lang="en-NL" sz="1100" dirty="0">
               <a:solidFill>
                 <a:schemeClr val="tx1"/>
               </a:solidFill>
@@ -3906,24 +3906,15 @@
             <a:p>
               <a:pPr algn="ctr"/>
               <a:r>
-                <a:rPr lang="en-GB" sz="1000" dirty="0">
+                <a:rPr lang="en-GB" sz="800" dirty="0">
                   <a:solidFill>
                     <a:schemeClr val="tx1"/>
                   </a:solidFill>
                   <a:latin typeface="+mj-lt"/>
                 </a:rPr>
-                <a:t>Model parameter </a:t>
+                <a:t>Model k with hyperparameters</a:t>
               </a:r>
-              <a:r>
-                <a:rPr lang="en-GB" sz="1000" i="1" dirty="0" err="1">
-                  <a:solidFill>
-                    <a:schemeClr val="tx1"/>
-                  </a:solidFill>
-                  <a:latin typeface="+mj-lt"/>
-                </a:rPr>
-                <a:t>i</a:t>
-              </a:r>
-              <a:endParaRPr lang="en-NL" sz="1000" i="1" dirty="0">
+              <a:endParaRPr lang="en-NL" sz="800" i="1" dirty="0">
                 <a:solidFill>
                   <a:schemeClr val="tx1"/>
                 </a:solidFill>
@@ -4510,8 +4501,8 @@
         </p:nvSpPr>
         <p:spPr>
           <a:xfrm>
-            <a:off x="1652432" y="4482491"/>
-            <a:ext cx="1299895" cy="354563"/>
+            <a:off x="1619394" y="5070031"/>
+            <a:ext cx="1292334" cy="354563"/>
           </a:xfrm>
           <a:prstGeom prst="roundRect">
             <a:avLst/>
@@ -4542,7 +4533,7 @@
           <a:lstStyle/>
           <a:p>
             <a:r>
-              <a:rPr lang="en-GB" sz="1000" dirty="0">
+              <a:rPr lang="en-GB" sz="900" dirty="0">
                 <a:solidFill>
                   <a:schemeClr val="tx1"/>
                 </a:solidFill>
@@ -4550,7 +4541,7 @@
               </a:rPr>
               <a:t>Performance on validation set</a:t>
             </a:r>
-            <a:endParaRPr lang="en-NL" sz="1000" dirty="0">
+            <a:endParaRPr lang="en-NL" sz="900" dirty="0">
               <a:solidFill>
                 <a:schemeClr val="tx1"/>
               </a:solidFill>
@@ -4608,7 +4599,7 @@
         </p:nvSpPr>
         <p:spPr>
           <a:xfrm rot="5400000">
-            <a:off x="-1913894" y="2883245"/>
+            <a:off x="-1901312" y="2895827"/>
             <a:ext cx="4713455" cy="366802"/>
           </a:xfrm>
           <a:prstGeom prst="roundRect">
@@ -4715,7 +4706,7 @@
                 </a:solidFill>
                 <a:latin typeface="+mj-lt"/>
               </a:rPr>
-              <a:t>hgboost</a:t>
+              <a:t>HGBoost</a:t>
             </a:r>
             <a:endParaRPr lang="en-NL" sz="1200" b="1" i="1" dirty="0">
               <a:solidFill>
@@ -5137,15 +5128,13 @@
           </p:cNvPr>
           <p:cNvCxnSpPr>
             <a:cxnSpLocks/>
-            <a:stCxn id="136" idx="3"/>
-            <a:endCxn id="146" idx="1"/>
           </p:cNvCxnSpPr>
           <p:nvPr/>
         </p:nvCxnSpPr>
         <p:spPr>
           <a:xfrm rot="16200000" flipH="1">
-            <a:off x="804529" y="5061678"/>
-            <a:ext cx="461556" cy="1184947"/>
+            <a:off x="808723" y="5074256"/>
+            <a:ext cx="448974" cy="1172365"/>
           </a:xfrm>
           <a:prstGeom prst="bentConnector2">
             <a:avLst/>
@@ -5243,8 +5232,8 @@
         </p:nvSpPr>
         <p:spPr>
           <a:xfrm>
-            <a:off x="1687180" y="6384494"/>
-            <a:ext cx="1860077" cy="231459"/>
+            <a:off x="720393" y="6709415"/>
+            <a:ext cx="940147" cy="564995"/>
           </a:xfrm>
           <a:prstGeom prst="roundRect">
             <a:avLst/>
@@ -5274,6 +5263,7 @@
           <a:bodyPr rtlCol="0" anchor="ctr"/>
           <a:lstStyle/>
           <a:p>
+            <a:pPr algn="r"/>
             <a:r>
               <a:rPr lang="en-GB" sz="1000" dirty="0">
                 <a:solidFill>
@@ -5281,7 +5271,7 @@
                 </a:solidFill>
                 <a:latin typeface="+mj-lt"/>
               </a:rPr>
-              <a:t>Analyse results</a:t>
+              <a:t>Plots to analyse the results</a:t>
             </a:r>
             <a:endParaRPr lang="en-NL" sz="1000" dirty="0">
               <a:solidFill>
@@ -5319,7 +5309,7 @@
         </p:blipFill>
         <p:spPr bwMode="auto">
           <a:xfrm>
-            <a:off x="1644083" y="6687376"/>
+            <a:off x="1644083" y="6758674"/>
             <a:ext cx="1372726" cy="670310"/>
           </a:xfrm>
           <a:prstGeom prst="rect">
@@ -5366,7 +5356,7 @@
         </p:blipFill>
         <p:spPr bwMode="auto">
           <a:xfrm>
-            <a:off x="3081473" y="6497651"/>
+            <a:off x="3081473" y="6568949"/>
             <a:ext cx="1498188" cy="988688"/>
           </a:xfrm>
           <a:prstGeom prst="rect">
@@ -5413,7 +5403,7 @@
         </p:blipFill>
         <p:spPr bwMode="auto">
           <a:xfrm>
-            <a:off x="4602676" y="6384494"/>
+            <a:off x="4602676" y="6455792"/>
             <a:ext cx="1146685" cy="532740"/>
           </a:xfrm>
           <a:prstGeom prst="rect">
@@ -5460,7 +5450,7 @@
         </p:blipFill>
         <p:spPr bwMode="auto">
           <a:xfrm>
-            <a:off x="4716218" y="7022531"/>
+            <a:off x="4716218" y="7093829"/>
             <a:ext cx="913358" cy="522190"/>
           </a:xfrm>
           <a:prstGeom prst="rect">
@@ -5478,6 +5468,258 @@
           </a:extLst>
         </p:spPr>
       </p:pic>
+      <p:sp>
+        <p:nvSpPr>
+          <p:cNvPr id="2" name="Rectangle: Rounded Corners 136">
+            <a:extLst>
+              <a:ext uri="{FF2B5EF4-FFF2-40B4-BE49-F238E27FC236}">
+                <a16:creationId xmlns:a16="http://schemas.microsoft.com/office/drawing/2014/main" id="{24F69F82-8CE6-389B-8A63-DFB58C1BE76B}"/>
+              </a:ext>
+            </a:extLst>
+          </p:cNvPr>
+          <p:cNvSpPr/>
+          <p:nvPr/>
+        </p:nvSpPr>
+        <p:spPr>
+          <a:xfrm>
+            <a:off x="1644083" y="641599"/>
+            <a:ext cx="422928" cy="354563"/>
+          </a:xfrm>
+          <a:prstGeom prst="roundRect">
+            <a:avLst/>
+          </a:prstGeom>
+          <a:noFill/>
+          <a:ln w="6350">
+            <a:noFill/>
+          </a:ln>
+        </p:spPr>
+        <p:style>
+          <a:lnRef idx="2">
+            <a:schemeClr val="accent1">
+              <a:shade val="50000"/>
+            </a:schemeClr>
+          </a:lnRef>
+          <a:fillRef idx="1">
+            <a:schemeClr val="accent1"/>
+          </a:fillRef>
+          <a:effectRef idx="0">
+            <a:schemeClr val="accent1"/>
+          </a:effectRef>
+          <a:fontRef idx="minor">
+            <a:schemeClr val="lt1"/>
+          </a:fontRef>
+        </p:style>
+        <p:txBody>
+          <a:bodyPr rtlCol="0" anchor="ctr"/>
+          <a:lstStyle/>
+          <a:p>
+            <a:r>
+              <a:rPr lang="en-GB" sz="1200" b="1" dirty="0">
+                <a:solidFill>
+                  <a:schemeClr val="tx1"/>
+                </a:solidFill>
+                <a:latin typeface="+mj-lt"/>
+              </a:rPr>
+              <a:t>A</a:t>
+            </a:r>
+            <a:endParaRPr lang="en-NL" sz="1200" b="1" dirty="0">
+              <a:solidFill>
+                <a:schemeClr val="tx1"/>
+              </a:solidFill>
+              <a:latin typeface="+mj-lt"/>
+            </a:endParaRPr>
+          </a:p>
+        </p:txBody>
+      </p:sp>
+      <p:sp>
+        <p:nvSpPr>
+          <p:cNvPr id="3" name="Rectangle: Rounded Corners 136">
+            <a:extLst>
+              <a:ext uri="{FF2B5EF4-FFF2-40B4-BE49-F238E27FC236}">
+                <a16:creationId xmlns:a16="http://schemas.microsoft.com/office/drawing/2014/main" id="{1A6641A8-A7AF-87E8-51F9-04DB44A9986C}"/>
+              </a:ext>
+            </a:extLst>
+          </p:cNvPr>
+          <p:cNvSpPr/>
+          <p:nvPr/>
+        </p:nvSpPr>
+        <p:spPr>
+          <a:xfrm>
+            <a:off x="1644940" y="4411068"/>
+            <a:ext cx="422928" cy="354563"/>
+          </a:xfrm>
+          <a:prstGeom prst="roundRect">
+            <a:avLst/>
+          </a:prstGeom>
+          <a:noFill/>
+          <a:ln w="6350">
+            <a:noFill/>
+          </a:ln>
+        </p:spPr>
+        <p:style>
+          <a:lnRef idx="2">
+            <a:schemeClr val="accent1">
+              <a:shade val="50000"/>
+            </a:schemeClr>
+          </a:lnRef>
+          <a:fillRef idx="1">
+            <a:schemeClr val="accent1"/>
+          </a:fillRef>
+          <a:effectRef idx="0">
+            <a:schemeClr val="accent1"/>
+          </a:effectRef>
+          <a:fontRef idx="minor">
+            <a:schemeClr val="lt1"/>
+          </a:fontRef>
+        </p:style>
+        <p:txBody>
+          <a:bodyPr rtlCol="0" anchor="ctr"/>
+          <a:lstStyle/>
+          <a:p>
+            <a:r>
+              <a:rPr lang="en-GB" sz="1200" b="1" dirty="0">
+                <a:solidFill>
+                  <a:schemeClr val="tx1"/>
+                </a:solidFill>
+                <a:latin typeface="+mj-lt"/>
+              </a:rPr>
+              <a:t>B</a:t>
+            </a:r>
+            <a:endParaRPr lang="en-NL" sz="1200" b="1" dirty="0">
+              <a:solidFill>
+                <a:schemeClr val="tx1"/>
+              </a:solidFill>
+              <a:latin typeface="+mj-lt"/>
+            </a:endParaRPr>
+          </a:p>
+        </p:txBody>
+      </p:sp>
+      <p:sp>
+        <p:nvSpPr>
+          <p:cNvPr id="4" name="Rectangle: Rounded Corners 136">
+            <a:extLst>
+              <a:ext uri="{FF2B5EF4-FFF2-40B4-BE49-F238E27FC236}">
+                <a16:creationId xmlns:a16="http://schemas.microsoft.com/office/drawing/2014/main" id="{FA653F1E-95E5-089C-3648-427567E06C41}"/>
+              </a:ext>
+            </a:extLst>
+          </p:cNvPr>
+          <p:cNvSpPr/>
+          <p:nvPr/>
+        </p:nvSpPr>
+        <p:spPr>
+          <a:xfrm>
+            <a:off x="1644083" y="5550319"/>
+            <a:ext cx="422928" cy="354563"/>
+          </a:xfrm>
+          <a:prstGeom prst="roundRect">
+            <a:avLst/>
+          </a:prstGeom>
+          <a:noFill/>
+          <a:ln w="6350">
+            <a:noFill/>
+          </a:ln>
+        </p:spPr>
+        <p:style>
+          <a:lnRef idx="2">
+            <a:schemeClr val="accent1">
+              <a:shade val="50000"/>
+            </a:schemeClr>
+          </a:lnRef>
+          <a:fillRef idx="1">
+            <a:schemeClr val="accent1"/>
+          </a:fillRef>
+          <a:effectRef idx="0">
+            <a:schemeClr val="accent1"/>
+          </a:effectRef>
+          <a:fontRef idx="minor">
+            <a:schemeClr val="lt1"/>
+          </a:fontRef>
+        </p:style>
+        <p:txBody>
+          <a:bodyPr rtlCol="0" anchor="ctr"/>
+          <a:lstStyle/>
+          <a:p>
+            <a:r>
+              <a:rPr lang="en-GB" sz="1200" b="1" dirty="0">
+                <a:solidFill>
+                  <a:schemeClr val="tx1"/>
+                </a:solidFill>
+                <a:latin typeface="+mj-lt"/>
+              </a:rPr>
+              <a:t>C</a:t>
+            </a:r>
+            <a:endParaRPr lang="en-NL" sz="1200" b="1" dirty="0">
+              <a:solidFill>
+                <a:schemeClr val="tx1"/>
+              </a:solidFill>
+              <a:latin typeface="+mj-lt"/>
+            </a:endParaRPr>
+          </a:p>
+        </p:txBody>
+      </p:sp>
+      <p:sp>
+        <p:nvSpPr>
+          <p:cNvPr id="5" name="Rectangle: Rounded Corners 136">
+            <a:extLst>
+              <a:ext uri="{FF2B5EF4-FFF2-40B4-BE49-F238E27FC236}">
+                <a16:creationId xmlns:a16="http://schemas.microsoft.com/office/drawing/2014/main" id="{1D24BAEB-56D1-E710-C7EB-3DD0733FE29C}"/>
+              </a:ext>
+            </a:extLst>
+          </p:cNvPr>
+          <p:cNvSpPr/>
+          <p:nvPr/>
+        </p:nvSpPr>
+        <p:spPr>
+          <a:xfrm>
+            <a:off x="1660540" y="6343786"/>
+            <a:ext cx="422928" cy="354563"/>
+          </a:xfrm>
+          <a:prstGeom prst="roundRect">
+            <a:avLst/>
+          </a:prstGeom>
+          <a:noFill/>
+          <a:ln w="6350">
+            <a:noFill/>
+          </a:ln>
+        </p:spPr>
+        <p:style>
+          <a:lnRef idx="2">
+            <a:schemeClr val="accent1">
+              <a:shade val="50000"/>
+            </a:schemeClr>
+          </a:lnRef>
+          <a:fillRef idx="1">
+            <a:schemeClr val="accent1"/>
+          </a:fillRef>
+          <a:effectRef idx="0">
+            <a:schemeClr val="accent1"/>
+          </a:effectRef>
+          <a:fontRef idx="minor">
+            <a:schemeClr val="lt1"/>
+          </a:fontRef>
+        </p:style>
+        <p:txBody>
+          <a:bodyPr rtlCol="0" anchor="ctr"/>
+          <a:lstStyle/>
+          <a:p>
+            <a:r>
+              <a:rPr lang="en-GB" sz="1200" b="1" dirty="0">
+                <a:solidFill>
+                  <a:schemeClr val="tx1"/>
+                </a:solidFill>
+                <a:latin typeface="+mj-lt"/>
+              </a:rPr>
+              <a:t>D</a:t>
+            </a:r>
+            <a:endParaRPr lang="en-NL" sz="1200" b="1" dirty="0">
+              <a:solidFill>
+                <a:schemeClr val="tx1"/>
+              </a:solidFill>
+              <a:latin typeface="+mj-lt"/>
+            </a:endParaRPr>
+          </a:p>
+        </p:txBody>
+      </p:sp>
     </p:spTree>
     <p:extLst>
       <p:ext uri="{BB962C8B-B14F-4D97-AF65-F5344CB8AC3E}">
